--- a/presentation ppt.pptx
+++ b/presentation ppt.pptx
@@ -2,16 +2,17 @@
 <file path=ppt/presentation.xml><?xml version="1.0" encoding="utf-8"?>
 <p:presentation xmlns:a="http://schemas.openxmlformats.org/drawingml/2006/main" xmlns:r="http://schemas.openxmlformats.org/officeDocument/2006/relationships" xmlns:p="http://schemas.openxmlformats.org/presentationml/2006/main" xmlns:p14="http://schemas.microsoft.com/office/powerpoint/2010/main" saveSubsetFonts="1">
   <p:sldMasterIdLst>
-    <p:sldMasterId id="2147483675" r:id="rId13"/>
+    <p:sldMasterId id="2147483678" r:id="rId13"/>
   </p:sldMasterIdLst>
   <p:sldIdLst>
     <p:sldId id="256" r:id="rId15"/>
     <p:sldId id="259" r:id="rId16"/>
-    <p:sldId id="257" r:id="rId17"/>
-    <p:sldId id="258" r:id="rId18"/>
-    <p:sldId id="260" r:id="rId19"/>
-    <p:sldId id="261" r:id="rId20"/>
-    <p:sldId id="262" r:id="rId21"/>
+    <p:sldId id="263" r:id="rId17"/>
+    <p:sldId id="264" r:id="rId18"/>
+    <p:sldId id="257" r:id="rId19"/>
+    <p:sldId id="258" r:id="rId20"/>
+    <p:sldId id="261" r:id="rId21"/>
+    <p:sldId id="262" r:id="rId22"/>
   </p:sldIdLst>
   <p:sldSz cx="12192000" cy="6858000"/>
   <p:notesSz cx="6858000" cy="9144000"/>
@@ -5967,13 +5968,71 @@
           <a:chExt cx="0" cy="0"/>
         </a:xfrm>
       </p:grpSpPr>
+      <p:sp>
+        <p:nvSpPr>
+          <p:cNvPr id="2" name="텍스트 개체 틀 1"/>
+          <p:cNvSpPr txBox="1">
+            <a:spLocks/>
+          </p:cNvSpPr>
+          <p:nvPr>
+            <p:ph type="title"/>
+          </p:nvPr>
+        </p:nvSpPr>
+        <p:spPr>
+          <a:xfrm rot="0">
+            <a:off x="609600" y="274320"/>
+            <a:ext cx="10974070" cy="1144270"/>
+          </a:xfrm>
+          <a:prstGeom prst="rect"/>
+        </p:spPr>
+        <p:txBody>
+          <a:bodyPr wrap="square" lIns="91440" tIns="45720" rIns="91440" bIns="45720" vert="horz" anchor="ctr">
+            <a:normAutofit fontScale="100000" lnSpcReduction="0"/>
+          </a:bodyPr>
+          <a:lstStyle/>
+          <a:p>
+            <a:pPr marL="0" indent="0" algn="l" fontAlgn="auto" defTabSz="508000" eaLnBrk="0">
+              <a:lnSpc>
+                <a:spcPct val="100000"/>
+              </a:lnSpc>
+              <a:spcBef>
+                <a:spcPts val="0"/>
+              </a:spcBef>
+              <a:spcAft>
+                <a:spcPts val="0"/>
+              </a:spcAft>
+              <a:buFontTx/>
+              <a:buNone/>
+            </a:pPr>
+            <a:r>
+              <a:rPr lang="en-US" altLang="ko-KR" sz="5900" cap="none" dirty="0" smtClean="0" b="0" strike="noStrike">
+                <a:solidFill>
+                  <a:schemeClr val="tx1"/>
+                </a:solidFill>
+                <a:latin typeface="맑은 고딕" charset="0"/>
+                <a:ea typeface="맑은 고딕" charset="0"/>
+              </a:rPr>
+              <a:t>스마트 홈 IOT</a:t>
+            </a:r>
+            <a:endParaRPr lang="ko-KR" altLang="en-US" sz="5900" cap="none" dirty="0" smtClean="0" b="0" strike="noStrike">
+              <a:solidFill>
+                <a:schemeClr val="tx1"/>
+              </a:solidFill>
+              <a:latin typeface="맑은 고딕" charset="0"/>
+              <a:ea typeface="맑은 고딕" charset="0"/>
+            </a:endParaRPr>
+          </a:p>
+        </p:txBody>
+      </p:sp>
       <p:pic>
         <p:nvPicPr>
-          <p:cNvPr id="2" name="그림 1" descr="C:/Users/Administrator/AppData/Roaming/PolarisOffice/ETemp/424_2432544/fImage4823808467.jpeg"/>
+          <p:cNvPr id="3" name="내용 개체 틀 2" descr="C:/Users/Administrator/AppData/Roaming/PolarisOffice/ETemp/15968_4202728/fImage5695917641.jpeg"/>
           <p:cNvPicPr>
             <a:picLocks noChangeAspect="1"/>
           </p:cNvPicPr>
-          <p:nvPr/>
+          <p:nvPr>
+            <p:ph type="obj" idx="1"/>
+          </p:nvPr>
         </p:nvPicPr>
         <p:blipFill rotWithShape="1">
           <a:blip r:embed="rId2">
@@ -5983,1595 +6042,15 @@
               </a:ext>
             </a:extLst>
           </a:blip>
+          <a:srcRect/>
           <a:stretch>
             <a:fillRect/>
           </a:stretch>
         </p:blipFill>
         <p:spPr>
           <a:xfrm rot="0">
-            <a:off x="5739130" y="770890"/>
-            <a:ext cx="725805" cy="1104265"/>
-          </a:xfrm>
-          <a:prstGeom prst="rect"/>
-          <a:noFill/>
-        </p:spPr>
-      </p:pic>
-      <p:pic>
-        <p:nvPicPr>
-          <p:cNvPr id="3" name="그림 2" descr="C:/Users/Administrator/AppData/Roaming/PolarisOffice/ETemp/424_2432544/fImage42428816334.png"/>
-          <p:cNvPicPr>
-            <a:picLocks noChangeAspect="1"/>
-          </p:cNvPicPr>
-          <p:nvPr/>
-        </p:nvPicPr>
-        <p:blipFill rotWithShape="1">
-          <a:blip r:embed="rId3">
-            <a:extLst>
-              <a:ext uri="{28A0092B-C50C-407E-A947-70E740481C1C}">
-                <a14:useLocalDpi xmlns:a14="http://schemas.microsoft.com/office/drawing/2010/main" val="0"/>
-              </a:ext>
-            </a:extLst>
-          </a:blip>
-          <a:stretch>
-            <a:fillRect/>
-          </a:stretch>
-        </p:blipFill>
-        <p:spPr>
-          <a:xfrm rot="0">
-            <a:off x="5493385" y="2537460"/>
-            <a:ext cx="1202055" cy="895350"/>
-          </a:xfrm>
-          <a:prstGeom prst="rect"/>
-          <a:noFill/>
-        </p:spPr>
-      </p:pic>
-      <p:sp>
-        <p:nvSpPr>
-          <p:cNvPr id="5" name="도형 4"/>
-          <p:cNvSpPr>
-            <a:spLocks/>
-          </p:cNvSpPr>
-          <p:nvPr/>
-        </p:nvSpPr>
-        <p:spPr>
-          <a:xfrm rot="0">
-            <a:off x="5126355" y="2554605"/>
-            <a:ext cx="1946275" cy="875030"/>
-          </a:xfrm>
-          <a:prstGeom prst="can"/>
-          <a:solidFill>
-            <a:schemeClr val="accent1">
-              <a:alpha val="40035"/>
-            </a:schemeClr>
-          </a:solidFill>
-        </p:spPr>
-        <p:style>
-          <a:lnRef idx="2">
-            <a:schemeClr val="accent1">
-              <a:shade val="50000"/>
-            </a:schemeClr>
-          </a:lnRef>
-          <a:fillRef idx="1">
-            <a:schemeClr val="accent1"/>
-          </a:fillRef>
-          <a:effectRef idx="0">
-            <a:schemeClr val="accent1"/>
-          </a:effectRef>
-          <a:fontRef idx="minor">
-            <a:schemeClr val="lt1"/>
-          </a:fontRef>
-        </p:style>
-        <p:txBody>
-          <a:bodyPr wrap="square" lIns="91440" tIns="45720" rIns="91440" bIns="45720" vert="horz" anchor="ctr">
-            <a:noAutofit/>
-          </a:bodyPr>
-          <a:lstStyle/>
-          <a:p>
-            <a:pPr marL="0" indent="0" algn="ctr" fontAlgn="auto" defTabSz="508000">
-              <a:lnSpc>
-                <a:spcPct val="100000"/>
-              </a:lnSpc>
-              <a:spcBef>
-                <a:spcPts val="0"/>
-              </a:spcBef>
-              <a:spcAft>
-                <a:spcPts val="0"/>
-              </a:spcAft>
-              <a:buFontTx/>
-              <a:buNone/>
-            </a:pPr>
-            <a:endParaRPr lang="ko-KR" altLang="en-US" sz="1800" cap="none" dirty="0" smtClean="0" b="0" strike="noStrike">
-              <a:latin typeface="맑은 고딕" charset="0"/>
-              <a:ea typeface="맑은 고딕" charset="0"/>
-            </a:endParaRPr>
-          </a:p>
-        </p:txBody>
-      </p:sp>
-      <p:sp>
-        <p:nvSpPr>
-          <p:cNvPr id="4" name="텍스트 상자 3"/>
-          <p:cNvSpPr txBox="1">
-            <a:spLocks/>
-          </p:cNvSpPr>
-          <p:nvPr/>
-        </p:nvSpPr>
-        <p:spPr>
-          <a:xfrm rot="0">
-            <a:off x="5163185" y="3070860"/>
-            <a:ext cx="1948815" cy="339725"/>
-          </a:xfrm>
-          <a:prstGeom prst="rect"/>
-          <a:noFill/>
-          <a:ln w="0">
-            <a:noFill/>
-            <a:prstDash/>
-          </a:ln>
-        </p:spPr>
-        <p:txBody>
-          <a:bodyPr wrap="none" lIns="89535" tIns="46355" rIns="89535" bIns="46355" vert="horz" anchor="t">
-            <a:noAutofit/>
-          </a:bodyPr>
-          <a:lstStyle/>
-          <a:p>
-            <a:pPr marL="0" indent="0" algn="l" fontAlgn="auto" defTabSz="508000">
-              <a:lnSpc>
-                <a:spcPct val="100000"/>
-              </a:lnSpc>
-              <a:spcBef>
-                <a:spcPts val="0"/>
-              </a:spcBef>
-              <a:spcAft>
-                <a:spcPts val="0"/>
-              </a:spcAft>
-              <a:buFontTx/>
-              <a:buNone/>
-            </a:pPr>
-            <a:r>
-              <a:rPr lang="en-US" altLang="ko-KR" sz="1600" cap="none" dirty="0" smtClean="0" b="0" strike="noStrike">
-                <a:latin typeface="맑은 고딕" charset="0"/>
-                <a:ea typeface="맑은 고딕" charset="0"/>
-              </a:rPr>
-              <a:t>메인 아두이노 보드</a:t>
-            </a:r>
-            <a:endParaRPr lang="ko-KR" altLang="en-US" sz="1600" cap="none" dirty="0" smtClean="0" b="0" strike="noStrike">
-              <a:latin typeface="맑은 고딕" charset="0"/>
-              <a:ea typeface="맑은 고딕" charset="0"/>
-            </a:endParaRPr>
-          </a:p>
-        </p:txBody>
-      </p:sp>
-      <p:pic>
-        <p:nvPicPr>
-          <p:cNvPr id="7" name="그림 6" descr="C:/Users/Administrator/AppData/Roaming/PolarisOffice/ETemp/424_2432544/fImage83790856500.png"/>
-          <p:cNvPicPr>
-            <a:picLocks noChangeAspect="1"/>
-          </p:cNvPicPr>
-          <p:nvPr/>
-        </p:nvPicPr>
-        <p:blipFill rotWithShape="1">
-          <a:blip r:embed="rId4">
-            <a:extLst>
-              <a:ext uri="{28A0092B-C50C-407E-A947-70E740481C1C}">
-                <a14:useLocalDpi xmlns:a14="http://schemas.microsoft.com/office/drawing/2010/main" val="0"/>
-              </a:ext>
-            </a:extLst>
-          </a:blip>
-          <a:stretch>
-            <a:fillRect/>
-          </a:stretch>
-        </p:blipFill>
-        <p:spPr>
-          <a:xfrm rot="0">
-            <a:off x="3005455" y="4119880"/>
-            <a:ext cx="1145540" cy="1430020"/>
-          </a:xfrm>
-          <a:prstGeom prst="rect"/>
-          <a:noFill/>
-        </p:spPr>
-      </p:pic>
-      <p:pic>
-        <p:nvPicPr>
-          <p:cNvPr id="8" name="그림 7" descr="C:/Users/Administrator/AppData/Roaming/PolarisOffice/ETemp/424_2432544/fImage30472889169.jpeg"/>
-          <p:cNvPicPr>
-            <a:picLocks noChangeAspect="1"/>
-          </p:cNvPicPr>
-          <p:nvPr/>
-        </p:nvPicPr>
-        <p:blipFill rotWithShape="1">
-          <a:blip r:embed="rId5">
-            <a:extLst>
-              <a:ext uri="{28A0092B-C50C-407E-A947-70E740481C1C}">
-                <a14:useLocalDpi xmlns:a14="http://schemas.microsoft.com/office/drawing/2010/main" val="0"/>
-              </a:ext>
-            </a:extLst>
-          </a:blip>
-          <a:stretch>
-            <a:fillRect/>
-          </a:stretch>
-        </p:blipFill>
-        <p:spPr>
-          <a:xfrm rot="0">
-            <a:off x="4778375" y="4707890"/>
-            <a:ext cx="1433830" cy="1437005"/>
-          </a:xfrm>
-          <a:prstGeom prst="rect"/>
-          <a:noFill/>
-        </p:spPr>
-      </p:pic>
-      <p:pic>
-        <p:nvPicPr>
-          <p:cNvPr id="9" name="그림 8" descr="C:/Users/Administrator/AppData/Roaming/PolarisOffice/ETemp/424_2432544/fImage108074895724.png"/>
-          <p:cNvPicPr>
-            <a:picLocks noChangeAspect="1"/>
-          </p:cNvPicPr>
-          <p:nvPr/>
-        </p:nvPicPr>
-        <p:blipFill rotWithShape="1">
-          <a:blip r:embed="rId6">
-            <a:extLst>
-              <a:ext uri="{28A0092B-C50C-407E-A947-70E740481C1C}">
-                <a14:useLocalDpi xmlns:a14="http://schemas.microsoft.com/office/drawing/2010/main" val="0"/>
-              </a:ext>
-            </a:extLst>
-          </a:blip>
-          <a:stretch>
-            <a:fillRect/>
-          </a:stretch>
-        </p:blipFill>
-        <p:spPr>
-          <a:xfrm rot="0">
-            <a:off x="5633720" y="4200525"/>
-            <a:ext cx="934720" cy="861695"/>
-          </a:xfrm>
-          <a:prstGeom prst="rect"/>
-          <a:noFill/>
-        </p:spPr>
-      </p:pic>
-      <p:pic>
-        <p:nvPicPr>
-          <p:cNvPr id="10" name="그림 9" descr="C:/Users/Administrator/AppData/Roaming/PolarisOffice/ETemp/424_2432544/fImage31413901478.jpeg"/>
-          <p:cNvPicPr>
-            <a:picLocks noChangeAspect="1"/>
-          </p:cNvPicPr>
-          <p:nvPr/>
-        </p:nvPicPr>
-        <p:blipFill rotWithShape="1">
-          <a:blip r:embed="rId7">
-            <a:extLst>
-              <a:ext uri="{28A0092B-C50C-407E-A947-70E740481C1C}">
-                <a14:useLocalDpi xmlns:a14="http://schemas.microsoft.com/office/drawing/2010/main" val="0"/>
-              </a:ext>
-            </a:extLst>
-          </a:blip>
-          <a:stretch>
-            <a:fillRect/>
-          </a:stretch>
-        </p:blipFill>
-        <p:spPr>
-          <a:xfrm rot="0" flipH="1">
-            <a:off x="8684260" y="4008120"/>
-            <a:ext cx="1684020" cy="944880"/>
-          </a:xfrm>
-          <a:prstGeom prst="rect"/>
-          <a:noFill/>
-        </p:spPr>
-      </p:pic>
-      <p:pic>
-        <p:nvPicPr>
-          <p:cNvPr id="14" name="그림 13" descr="C:/Users/Administrator/AppData/Roaming/PolarisOffice/ETemp/424_2432544/fImage172430959358.png"/>
-          <p:cNvPicPr>
-            <a:picLocks noChangeAspect="1"/>
-          </p:cNvPicPr>
-          <p:nvPr/>
-        </p:nvPicPr>
-        <p:blipFill rotWithShape="1">
-          <a:blip r:embed="rId8">
-            <a:extLst>
-              <a:ext uri="{28A0092B-C50C-407E-A947-70E740481C1C}">
-                <a14:useLocalDpi xmlns:a14="http://schemas.microsoft.com/office/drawing/2010/main" val="0"/>
-              </a:ext>
-            </a:extLst>
-          </a:blip>
-          <a:stretch>
-            <a:fillRect/>
-          </a:stretch>
-        </p:blipFill>
-        <p:spPr>
-          <a:xfrm rot="0">
-            <a:off x="7435215" y="3870960"/>
-            <a:ext cx="1260475" cy="1208405"/>
-          </a:xfrm>
-          <a:prstGeom prst="rect"/>
-          <a:noFill/>
-        </p:spPr>
-      </p:pic>
-      <p:sp>
-        <p:nvSpPr>
-          <p:cNvPr id="15" name="텍스트 상자 14"/>
-          <p:cNvSpPr txBox="1">
-            <a:spLocks/>
-          </p:cNvSpPr>
-          <p:nvPr/>
-        </p:nvSpPr>
-        <p:spPr>
-          <a:xfrm rot="0">
-            <a:off x="5507990" y="400685"/>
-            <a:ext cx="1174750" cy="370205"/>
-          </a:xfrm>
-          <a:prstGeom prst="rect"/>
-          <a:noFill/>
-          <a:ln w="0">
-            <a:noFill/>
-            <a:prstDash/>
-          </a:ln>
-        </p:spPr>
-        <p:txBody>
-          <a:bodyPr wrap="none" lIns="89535" tIns="46355" rIns="89535" bIns="46355" vert="horz" anchor="t">
-            <a:noAutofit/>
-          </a:bodyPr>
-          <a:lstStyle/>
-          <a:p>
-            <a:pPr marL="0" indent="0" algn="l" fontAlgn="auto" defTabSz="508000">
-              <a:lnSpc>
-                <a:spcPct val="100000"/>
-              </a:lnSpc>
-              <a:spcBef>
-                <a:spcPts val="0"/>
-              </a:spcBef>
-              <a:spcAft>
-                <a:spcPts val="0"/>
-              </a:spcAft>
-              <a:buFontTx/>
-              <a:buNone/>
-            </a:pPr>
-            <a:r>
-              <a:rPr lang="en-US" altLang="ko-KR" sz="1800" cap="none" dirty="0" smtClean="0" b="0" strike="noStrike">
-                <a:latin typeface="맑은 고딕" charset="0"/>
-                <a:ea typeface="맑은 고딕" charset="0"/>
-              </a:rPr>
-              <a:t>중앙 서버</a:t>
-            </a:r>
-            <a:endParaRPr lang="ko-KR" altLang="en-US" sz="1800" cap="none" dirty="0" smtClean="0" b="0" strike="noStrike">
-              <a:latin typeface="맑은 고딕" charset="0"/>
-              <a:ea typeface="맑은 고딕" charset="0"/>
-            </a:endParaRPr>
-          </a:p>
-        </p:txBody>
-      </p:sp>
-      <p:sp>
-        <p:nvSpPr>
-          <p:cNvPr id="16" name="도형 15"/>
-          <p:cNvSpPr>
-            <a:spLocks/>
-          </p:cNvSpPr>
-          <p:nvPr/>
-        </p:nvSpPr>
-        <p:spPr>
-          <a:xfrm rot="0">
-            <a:off x="7172960" y="605155"/>
-            <a:ext cx="1905000" cy="1459865"/>
-          </a:xfrm>
-          <a:prstGeom prst="rect"/>
-          <a:solidFill>
-            <a:srgbClr val="FFFFFF"/>
-          </a:solidFill>
-          <a:ln w="38100" cap="flat" cmpd="sng">
-            <a:solidFill>
-              <a:schemeClr val="accent1">
-                <a:alpha val="100000"/>
-              </a:schemeClr>
-            </a:solidFill>
-            <a:prstDash val="solid"/>
-            <a:miter lim="800000"/>
-          </a:ln>
-        </p:spPr>
-        <p:style>
-          <a:lnRef idx="2">
-            <a:schemeClr val="accent1">
-              <a:shade val="50000"/>
-            </a:schemeClr>
-          </a:lnRef>
-          <a:fillRef idx="1">
-            <a:schemeClr val="accent1"/>
-          </a:fillRef>
-          <a:effectRef idx="0">
-            <a:schemeClr val="accent1"/>
-          </a:effectRef>
-          <a:fontRef idx="minor">
-            <a:schemeClr val="lt1"/>
-          </a:fontRef>
-        </p:style>
-        <p:txBody>
-          <a:bodyPr wrap="square" lIns="91440" tIns="45720" rIns="91440" bIns="45720" vert="horz" anchor="ctr">
-            <a:noAutofit/>
-          </a:bodyPr>
-          <a:lstStyle/>
-          <a:p>
-            <a:pPr marL="0" indent="0" algn="ctr" fontAlgn="auto" defTabSz="508000">
-              <a:lnSpc>
-                <a:spcPct val="100000"/>
-              </a:lnSpc>
-              <a:spcBef>
-                <a:spcPts val="0"/>
-              </a:spcBef>
-              <a:spcAft>
-                <a:spcPts val="0"/>
-              </a:spcAft>
-              <a:buFontTx/>
-              <a:buNone/>
-            </a:pPr>
-            <a:endParaRPr lang="ko-KR" altLang="en-US" sz="1800" cap="none" dirty="0" smtClean="0" b="0" strike="noStrike">
-              <a:latin typeface="맑은 고딕" charset="0"/>
-              <a:ea typeface="맑은 고딕" charset="0"/>
-            </a:endParaRPr>
-          </a:p>
-        </p:txBody>
-      </p:sp>
-      <p:sp>
-        <p:nvSpPr>
-          <p:cNvPr id="17" name="텍스트 상자 16"/>
-          <p:cNvSpPr txBox="1">
-            <a:spLocks/>
-          </p:cNvSpPr>
-          <p:nvPr/>
-        </p:nvSpPr>
-        <p:spPr>
-          <a:xfrm rot="0">
-            <a:off x="7217410" y="988059"/>
-            <a:ext cx="1645920" cy="308610"/>
-          </a:xfrm>
-          <a:prstGeom prst="rect"/>
-          <a:noFill/>
-          <a:ln w="0">
-            <a:noFill/>
-            <a:prstDash/>
-          </a:ln>
-        </p:spPr>
-        <p:txBody>
-          <a:bodyPr wrap="square" lIns="89535" tIns="46355" rIns="89535" bIns="46355" vert="horz" anchor="t">
-            <a:noAutofit/>
-          </a:bodyPr>
-          <a:lstStyle/>
-          <a:p>
-            <a:pPr marL="0" indent="0" algn="l" fontAlgn="auto" defTabSz="508000">
-              <a:lnSpc>
-                <a:spcPct val="100000"/>
-              </a:lnSpc>
-              <a:spcBef>
-                <a:spcPts val="0"/>
-              </a:spcBef>
-              <a:spcAft>
-                <a:spcPts val="0"/>
-              </a:spcAft>
-              <a:buFontTx/>
-              <a:buNone/>
-            </a:pPr>
-            <a:r>
-              <a:rPr lang="en-US" altLang="ko-KR" sz="1400" cap="none" dirty="0" smtClean="0" b="0" strike="noStrike">
-                <a:latin typeface="맑은 고딕" charset="0"/>
-                <a:ea typeface="맑은 고딕" charset="0"/>
-              </a:rPr>
-              <a:t>화장실 사용 1/5</a:t>
-            </a:r>
-            <a:endParaRPr lang="ko-KR" altLang="en-US" sz="1400" cap="none" dirty="0" smtClean="0" b="0" strike="noStrike">
-              <a:latin typeface="맑은 고딕" charset="0"/>
-              <a:ea typeface="맑은 고딕" charset="0"/>
-            </a:endParaRPr>
-          </a:p>
-        </p:txBody>
-      </p:sp>
-      <p:sp>
-        <p:nvSpPr>
-          <p:cNvPr id="18" name="텍스트 상자 17"/>
-          <p:cNvSpPr txBox="1">
-            <a:spLocks/>
-          </p:cNvSpPr>
-          <p:nvPr/>
-        </p:nvSpPr>
-        <p:spPr>
-          <a:xfrm rot="0">
-            <a:off x="7430770" y="587375"/>
-            <a:ext cx="1403350" cy="370205"/>
-          </a:xfrm>
-          <a:prstGeom prst="rect"/>
-          <a:noFill/>
-          <a:ln w="0">
-            <a:noFill/>
-            <a:prstDash/>
-          </a:ln>
-        </p:spPr>
-        <p:txBody>
-          <a:bodyPr wrap="none" lIns="89535" tIns="46355" rIns="89535" bIns="46355" vert="horz" anchor="t">
-            <a:noAutofit/>
-          </a:bodyPr>
-          <a:lstStyle/>
-          <a:p>
-            <a:pPr marL="0" indent="0" algn="ctr" fontAlgn="auto" defTabSz="508000">
-              <a:lnSpc>
-                <a:spcPct val="100000"/>
-              </a:lnSpc>
-              <a:spcBef>
-                <a:spcPts val="0"/>
-              </a:spcBef>
-              <a:spcAft>
-                <a:spcPts val="0"/>
-              </a:spcAft>
-              <a:buFontTx/>
-              <a:buNone/>
-            </a:pPr>
-            <a:r>
-              <a:rPr lang="en-US" altLang="ko-KR" sz="1800" cap="none" dirty="0" smtClean="0" b="0" strike="noStrike">
-                <a:latin typeface="맑은 고딕" charset="0"/>
-                <a:ea typeface="맑은 고딕" charset="0"/>
-              </a:rPr>
-              <a:t>관제 모니터</a:t>
-            </a:r>
-            <a:endParaRPr lang="ko-KR" altLang="en-US" sz="1800" cap="none" dirty="0" smtClean="0" b="0" strike="noStrike">
-              <a:latin typeface="맑은 고딕" charset="0"/>
-              <a:ea typeface="맑은 고딕" charset="0"/>
-            </a:endParaRPr>
-          </a:p>
-        </p:txBody>
-      </p:sp>
-      <p:cxnSp>
-        <p:nvCxnSpPr>
-          <p:cNvPr id="19" name="도형 18"/>
-          <p:cNvCxnSpPr>
-            <a:stCxn id="2" idx="3"/>
-            <a:endCxn id="16" idx="1"/>
-          </p:cNvCxnSpPr>
-          <p:nvPr/>
-        </p:nvCxnSpPr>
-        <p:spPr>
-          <a:xfrm rot="0">
-            <a:off x="6464300" y="1322705"/>
-            <a:ext cx="709295" cy="12700"/>
-          </a:xfrm>
-          <a:prstGeom prst="straightConnector1"/>
-          <a:ln w="19050" cap="flat" cmpd="sng">
-            <a:solidFill>
-              <a:schemeClr val="accent1">
-                <a:alpha val="100000"/>
-              </a:schemeClr>
-            </a:solidFill>
-            <a:prstDash val="solid"/>
-            <a:miter lim="800000"/>
-            <a:headEnd type="none" w="med" len="med"/>
-            <a:tailEnd type="triangle" w="med" len="med"/>
-          </a:ln>
-        </p:spPr>
-        <p:style>
-          <a:lnRef idx="1">
-            <a:schemeClr val="accent1"/>
-          </a:lnRef>
-          <a:fillRef idx="0">
-            <a:schemeClr val="accent1"/>
-          </a:fillRef>
-          <a:effectRef idx="0">
-            <a:schemeClr val="accent1"/>
-          </a:effectRef>
-          <a:fontRef idx="minor">
-            <a:schemeClr val="tx1"/>
-          </a:fontRef>
-        </p:style>
-      </p:cxnSp>
-      <p:cxnSp>
-        <p:nvCxnSpPr>
-          <p:cNvPr id="20" name="도형 19"/>
-          <p:cNvCxnSpPr/>
-          <p:nvPr/>
-        </p:nvCxnSpPr>
-        <p:spPr>
-          <a:xfrm rot="0">
-            <a:off x="7164070" y="961390"/>
-            <a:ext cx="1913890" cy="635"/>
-          </a:xfrm>
-          <a:prstGeom prst="line"/>
-          <a:ln w="38100" cap="flat" cmpd="sng">
-            <a:solidFill>
-              <a:schemeClr val="accent1">
-                <a:alpha val="100000"/>
-              </a:schemeClr>
-            </a:solidFill>
-            <a:prstDash val="solid"/>
-            <a:miter lim="800000"/>
-            <a:headEnd type="none" w="med" len="med"/>
-            <a:tailEnd type="none" w="med" len="med"/>
-          </a:ln>
-        </p:spPr>
-        <p:style>
-          <a:lnRef idx="3">
-            <a:schemeClr val="accent1"/>
-          </a:lnRef>
-          <a:fillRef idx="0">
-            <a:schemeClr val="accent1"/>
-          </a:fillRef>
-          <a:effectRef idx="2">
-            <a:schemeClr val="accent1"/>
-          </a:effectRef>
-          <a:fontRef idx="minor">
-            <a:schemeClr val="tx1"/>
-          </a:fontRef>
-        </p:style>
-      </p:cxnSp>
-      <p:sp>
-        <p:nvSpPr>
-          <p:cNvPr id="21" name="텍스트 상자 20"/>
-          <p:cNvSpPr txBox="1">
-            <a:spLocks/>
-          </p:cNvSpPr>
-          <p:nvPr/>
-        </p:nvSpPr>
-        <p:spPr>
-          <a:xfrm rot="0">
-            <a:off x="7218045" y="1290955"/>
-            <a:ext cx="1610995" cy="308610"/>
-          </a:xfrm>
-          <a:prstGeom prst="rect"/>
-          <a:noFill/>
-          <a:ln w="0" cap="flat" cmpd="sng">
-            <a:solidFill>
-              <a:srgbClr val="FFFFFF">
-                <a:alpha val="100000"/>
-              </a:srgbClr>
-            </a:solidFill>
-            <a:prstDash/>
-          </a:ln>
-        </p:spPr>
-        <p:txBody>
-          <a:bodyPr wrap="square" lIns="89535" tIns="46355" rIns="89535" bIns="46355" vert="horz" anchor="t">
-            <a:noAutofit/>
-          </a:bodyPr>
-          <a:lstStyle/>
-          <a:p>
-            <a:pPr marL="0" indent="0" algn="l" fontAlgn="auto" defTabSz="508000">
-              <a:lnSpc>
-                <a:spcPct val="100000"/>
-              </a:lnSpc>
-              <a:spcBef>
-                <a:spcPts val="0"/>
-              </a:spcBef>
-              <a:spcAft>
-                <a:spcPts val="0"/>
-              </a:spcAft>
-              <a:buFontTx/>
-              <a:buNone/>
-            </a:pPr>
-            <a:r>
-              <a:rPr lang="en-US" altLang="ko-KR" sz="1400" cap="none" dirty="0" smtClean="0" b="0" strike="noStrike">
-                <a:latin typeface="맑은 고딕" charset="0"/>
-                <a:ea typeface="맑은 고딕" charset="0"/>
-              </a:rPr>
-              <a:t>생활관 에어컨</a:t>
-            </a:r>
-            <a:endParaRPr lang="ko-KR" altLang="en-US" sz="1400" cap="none" dirty="0" smtClean="0" b="0" strike="noStrike">
-              <a:latin typeface="맑은 고딕" charset="0"/>
-              <a:ea typeface="맑은 고딕" charset="0"/>
-            </a:endParaRPr>
-          </a:p>
-        </p:txBody>
-      </p:sp>
-      <p:sp>
-        <p:nvSpPr>
-          <p:cNvPr id="22" name="텍스트 상자 21"/>
-          <p:cNvSpPr txBox="1">
-            <a:spLocks/>
-          </p:cNvSpPr>
-          <p:nvPr/>
-        </p:nvSpPr>
-        <p:spPr>
-          <a:xfrm rot="0">
-            <a:off x="7218680" y="1611630"/>
-            <a:ext cx="1610995" cy="308610"/>
-          </a:xfrm>
-          <a:prstGeom prst="rect"/>
-          <a:noFill/>
-          <a:ln w="0" cap="flat" cmpd="sng">
-            <a:solidFill>
-              <a:srgbClr val="FFFFFF">
-                <a:alpha val="100000"/>
-              </a:srgbClr>
-            </a:solidFill>
-            <a:prstDash/>
-          </a:ln>
-        </p:spPr>
-        <p:txBody>
-          <a:bodyPr wrap="square" lIns="89535" tIns="46355" rIns="89535" bIns="46355" vert="horz" anchor="t">
-            <a:noAutofit/>
-          </a:bodyPr>
-          <a:lstStyle/>
-          <a:p>
-            <a:pPr marL="0" indent="0" algn="l" fontAlgn="auto" defTabSz="508000">
-              <a:lnSpc>
-                <a:spcPct val="100000"/>
-              </a:lnSpc>
-              <a:spcBef>
-                <a:spcPts val="0"/>
-              </a:spcBef>
-              <a:spcAft>
-                <a:spcPts val="0"/>
-              </a:spcAft>
-              <a:buFontTx/>
-              <a:buNone/>
-            </a:pPr>
-            <a:r>
-              <a:rPr lang="en-US" altLang="ko-KR" sz="1400" cap="none" dirty="0" smtClean="0" b="0" strike="noStrike">
-                <a:latin typeface="맑은 고딕" charset="0"/>
-                <a:ea typeface="맑은 고딕" charset="0"/>
-              </a:rPr>
-              <a:t>위험 상황 없음</a:t>
-            </a:r>
-            <a:endParaRPr lang="ko-KR" altLang="en-US" sz="1400" cap="none" dirty="0" smtClean="0" b="0" strike="noStrike">
-              <a:latin typeface="맑은 고딕" charset="0"/>
-              <a:ea typeface="맑은 고딕" charset="0"/>
-            </a:endParaRPr>
-          </a:p>
-        </p:txBody>
-      </p:sp>
-      <p:sp>
-        <p:nvSpPr>
-          <p:cNvPr id="23" name="텍스트 상자 22"/>
-          <p:cNvSpPr txBox="1">
-            <a:spLocks/>
-          </p:cNvSpPr>
-          <p:nvPr/>
-        </p:nvSpPr>
-        <p:spPr>
-          <a:xfrm rot="0">
-            <a:off x="2400300" y="3774440"/>
-            <a:ext cx="1745615" cy="339725"/>
-          </a:xfrm>
-          <a:prstGeom prst="rect"/>
-          <a:noFill/>
-          <a:ln w="0" cap="flat" cmpd="sng">
-            <a:solidFill>
-              <a:srgbClr val="FFFFFF">
-                <a:alpha val="100000"/>
-              </a:srgbClr>
-            </a:solidFill>
-            <a:prstDash/>
-          </a:ln>
-        </p:spPr>
-        <p:txBody>
-          <a:bodyPr wrap="none" lIns="89535" tIns="46355" rIns="89535" bIns="46355" vert="horz" anchor="t">
-            <a:noAutofit/>
-          </a:bodyPr>
-          <a:lstStyle/>
-          <a:p>
-            <a:pPr marL="0" indent="0" algn="l" fontAlgn="auto" defTabSz="508000">
-              <a:lnSpc>
-                <a:spcPct val="100000"/>
-              </a:lnSpc>
-              <a:spcBef>
-                <a:spcPts val="0"/>
-              </a:spcBef>
-              <a:spcAft>
-                <a:spcPts val="0"/>
-              </a:spcAft>
-              <a:buFontTx/>
-              <a:buNone/>
-            </a:pPr>
-            <a:r>
-              <a:rPr lang="en-US" altLang="ko-KR" sz="1600" cap="none" dirty="0" smtClean="0" b="0" strike="noStrike">
-                <a:latin typeface="맑은 고딕" charset="0"/>
-                <a:ea typeface="맑은 고딕" charset="0"/>
-              </a:rPr>
-              <a:t>화장실 앞 전광판</a:t>
-            </a:r>
-            <a:endParaRPr lang="ko-KR" altLang="en-US" sz="1600" cap="none" dirty="0" smtClean="0" b="0" strike="noStrike">
-              <a:latin typeface="맑은 고딕" charset="0"/>
-              <a:ea typeface="맑은 고딕" charset="0"/>
-            </a:endParaRPr>
-          </a:p>
-        </p:txBody>
-      </p:sp>
-      <p:sp>
-        <p:nvSpPr>
-          <p:cNvPr id="24" name="텍스트 상자 23"/>
-          <p:cNvSpPr txBox="1">
-            <a:spLocks/>
-          </p:cNvSpPr>
-          <p:nvPr/>
-        </p:nvSpPr>
-        <p:spPr>
-          <a:xfrm rot="0">
-            <a:off x="3462655" y="5212080"/>
-            <a:ext cx="445770" cy="308610"/>
-          </a:xfrm>
-          <a:prstGeom prst="rect"/>
-          <a:noFill/>
-          <a:ln w="0" cap="flat" cmpd="sng">
-            <a:solidFill>
-              <a:srgbClr val="FFFFFF">
-                <a:alpha val="100000"/>
-              </a:srgbClr>
-            </a:solidFill>
-            <a:prstDash/>
-          </a:ln>
-        </p:spPr>
-        <p:txBody>
-          <a:bodyPr wrap="none" lIns="89535" tIns="46355" rIns="89535" bIns="46355" vert="horz" anchor="t">
-            <a:noAutofit/>
-          </a:bodyPr>
-          <a:lstStyle/>
-          <a:p>
-            <a:pPr marL="0" indent="0" algn="l" fontAlgn="auto" defTabSz="508000">
-              <a:lnSpc>
-                <a:spcPct val="100000"/>
-              </a:lnSpc>
-              <a:spcBef>
-                <a:spcPts val="0"/>
-              </a:spcBef>
-              <a:spcAft>
-                <a:spcPts val="0"/>
-              </a:spcAft>
-              <a:buFontTx/>
-              <a:buNone/>
-            </a:pPr>
-            <a:r>
-              <a:rPr lang="en-US" altLang="ko-KR" sz="1400" cap="none" dirty="0" smtClean="0" b="0" strike="noStrike">
-                <a:latin typeface="맑은 고딕" charset="0"/>
-                <a:ea typeface="맑은 고딕" charset="0"/>
-              </a:rPr>
-              <a:t>1/5</a:t>
-            </a:r>
-            <a:endParaRPr lang="ko-KR" altLang="en-US" sz="1400" cap="none" dirty="0" smtClean="0" b="0" strike="noStrike">
-              <a:latin typeface="맑은 고딕" charset="0"/>
-              <a:ea typeface="맑은 고딕" charset="0"/>
-            </a:endParaRPr>
-          </a:p>
-        </p:txBody>
-      </p:sp>
-      <p:sp>
-        <p:nvSpPr>
-          <p:cNvPr id="25" name="텍스트 상자 24"/>
-          <p:cNvSpPr txBox="1">
-            <a:spLocks/>
-          </p:cNvSpPr>
-          <p:nvPr/>
-        </p:nvSpPr>
-        <p:spPr>
-          <a:xfrm rot="0">
-            <a:off x="8248015" y="3675380"/>
-            <a:ext cx="2578735" cy="339725"/>
-          </a:xfrm>
-          <a:prstGeom prst="rect"/>
-          <a:noFill/>
-          <a:ln w="0" cap="flat" cmpd="sng">
-            <a:solidFill>
-              <a:srgbClr val="FFFFFF">
-                <a:alpha val="100000"/>
-              </a:srgbClr>
-            </a:solidFill>
-            <a:prstDash/>
-          </a:ln>
-        </p:spPr>
-        <p:txBody>
-          <a:bodyPr wrap="square" lIns="89535" tIns="46355" rIns="89535" bIns="46355" vert="horz" anchor="t">
-            <a:noAutofit/>
-          </a:bodyPr>
-          <a:lstStyle/>
-          <a:p>
-            <a:pPr marL="0" indent="0" algn="l" fontAlgn="auto" defTabSz="508000">
-              <a:lnSpc>
-                <a:spcPct val="100000"/>
-              </a:lnSpc>
-              <a:spcBef>
-                <a:spcPts val="0"/>
-              </a:spcBef>
-              <a:spcAft>
-                <a:spcPts val="0"/>
-              </a:spcAft>
-              <a:buFontTx/>
-              <a:buNone/>
-            </a:pPr>
-            <a:r>
-              <a:rPr lang="en-US" altLang="ko-KR" sz="1600" cap="none" dirty="0" smtClean="0" b="0" strike="noStrike">
-                <a:latin typeface="맑은 고딕" charset="0"/>
-                <a:ea typeface="맑은 고딕" charset="0"/>
-              </a:rPr>
-              <a:t>생활관 내부 환경 센서</a:t>
-            </a:r>
-            <a:endParaRPr lang="ko-KR" altLang="en-US" sz="1600" cap="none" dirty="0" smtClean="0" b="0" strike="noStrike">
-              <a:latin typeface="맑은 고딕" charset="0"/>
-              <a:ea typeface="맑은 고딕" charset="0"/>
-            </a:endParaRPr>
-          </a:p>
-        </p:txBody>
-      </p:sp>
-      <p:sp>
-        <p:nvSpPr>
-          <p:cNvPr id="26" name="텍스트 상자 25"/>
-          <p:cNvSpPr txBox="1">
-            <a:spLocks/>
-          </p:cNvSpPr>
-          <p:nvPr/>
-        </p:nvSpPr>
-        <p:spPr>
-          <a:xfrm rot="0">
-            <a:off x="4904105" y="6155055"/>
-            <a:ext cx="1448435" cy="339725"/>
-          </a:xfrm>
-          <a:prstGeom prst="rect"/>
-          <a:noFill/>
-          <a:ln w="0" cap="flat" cmpd="sng">
-            <a:solidFill>
-              <a:srgbClr val="FFFFFF">
-                <a:alpha val="100000"/>
-              </a:srgbClr>
-            </a:solidFill>
-            <a:prstDash/>
-          </a:ln>
-        </p:spPr>
-        <p:txBody>
-          <a:bodyPr wrap="square" lIns="89535" tIns="46355" rIns="89535" bIns="46355" vert="horz" anchor="t">
-            <a:noAutofit/>
-          </a:bodyPr>
-          <a:lstStyle/>
-          <a:p>
-            <a:pPr marL="0" indent="0" algn="l" fontAlgn="auto" defTabSz="508000">
-              <a:lnSpc>
-                <a:spcPct val="100000"/>
-              </a:lnSpc>
-              <a:spcBef>
-                <a:spcPts val="0"/>
-              </a:spcBef>
-              <a:spcAft>
-                <a:spcPts val="0"/>
-              </a:spcAft>
-              <a:buFontTx/>
-              <a:buNone/>
-            </a:pPr>
-            <a:r>
-              <a:rPr lang="en-US" altLang="ko-KR" sz="1600" cap="none" dirty="0" smtClean="0" b="0" strike="noStrike">
-                <a:latin typeface="맑은 고딕" charset="0"/>
-                <a:ea typeface="맑은 고딕" charset="0"/>
-              </a:rPr>
-              <a:t>화장실 센서</a:t>
-            </a:r>
-            <a:endParaRPr lang="ko-KR" altLang="en-US" sz="1600" cap="none" dirty="0" smtClean="0" b="0" strike="noStrike">
-              <a:latin typeface="맑은 고딕" charset="0"/>
-              <a:ea typeface="맑은 고딕" charset="0"/>
-            </a:endParaRPr>
-          </a:p>
-        </p:txBody>
-      </p:sp>
-      <p:sp>
-        <p:nvSpPr>
-          <p:cNvPr id="27" name="텍스트 상자 26"/>
-          <p:cNvSpPr txBox="1">
-            <a:spLocks/>
-          </p:cNvSpPr>
-          <p:nvPr/>
-        </p:nvSpPr>
-        <p:spPr>
-          <a:xfrm rot="0">
-            <a:off x="7218680" y="2804795"/>
-            <a:ext cx="2199005" cy="370205"/>
-          </a:xfrm>
-          <a:prstGeom prst="rect"/>
-          <a:noFill/>
-          <a:ln w="0">
-            <a:noFill/>
-            <a:prstDash/>
-          </a:ln>
-        </p:spPr>
-        <p:txBody>
-          <a:bodyPr wrap="none" lIns="89535" tIns="46355" rIns="89535" bIns="46355" vert="horz" anchor="t">
-            <a:noAutofit/>
-          </a:bodyPr>
-          <a:lstStyle/>
-          <a:p>
-            <a:pPr marL="0" indent="0" algn="l" fontAlgn="auto" defTabSz="508000">
-              <a:lnSpc>
-                <a:spcPct val="100000"/>
-              </a:lnSpc>
-              <a:spcBef>
-                <a:spcPts val="0"/>
-              </a:spcBef>
-              <a:spcAft>
-                <a:spcPts val="0"/>
-              </a:spcAft>
-              <a:buFontTx/>
-              <a:buNone/>
-            </a:pPr>
-            <a:r>
-              <a:rPr lang="en-US" altLang="ko-KR" sz="1800" cap="none" dirty="0" smtClean="0" b="0" strike="noStrike">
-                <a:solidFill>
-                  <a:srgbClr val="FF0000"/>
-                </a:solidFill>
-                <a:latin typeface="맑은 고딕" charset="0"/>
-                <a:ea typeface="맑은 고딕" charset="0"/>
-              </a:rPr>
-              <a:t>1대n 네트워크 방식</a:t>
-            </a:r>
-            <a:endParaRPr lang="ko-KR" altLang="en-US" sz="1800" cap="none" dirty="0" smtClean="0" b="0" strike="noStrike">
-              <a:solidFill>
-                <a:srgbClr val="FF0000"/>
-              </a:solidFill>
-              <a:latin typeface="맑은 고딕" charset="0"/>
-              <a:ea typeface="맑은 고딕" charset="0"/>
-            </a:endParaRPr>
-          </a:p>
-        </p:txBody>
-      </p:sp>
-      <p:cxnSp>
-        <p:nvCxnSpPr>
-          <p:cNvPr id="28" name="도형 27"/>
-          <p:cNvCxnSpPr>
-            <a:endCxn id="4" idx="1"/>
-          </p:cNvCxnSpPr>
-          <p:nvPr/>
-        </p:nvCxnSpPr>
-        <p:spPr>
-          <a:xfrm rot="0" flipV="1">
-            <a:off x="4201160" y="3240405"/>
-            <a:ext cx="962660" cy="633730"/>
-          </a:xfrm>
-          <a:prstGeom prst="straightConnector1"/>
-          <a:ln w="19050" cap="flat" cmpd="sng">
-            <a:solidFill>
-              <a:srgbClr val="FF0000">
-                <a:alpha val="100000"/>
-              </a:srgbClr>
-            </a:solidFill>
-            <a:prstDash val="solid"/>
-            <a:miter lim="800000"/>
-            <a:headEnd type="none" w="med" len="med"/>
-            <a:tailEnd type="triangle" w="med" len="med"/>
-          </a:ln>
-        </p:spPr>
-        <p:style>
-          <a:lnRef idx="1">
-            <a:schemeClr val="accent1"/>
-          </a:lnRef>
-          <a:fillRef idx="0">
-            <a:schemeClr val="accent1"/>
-          </a:fillRef>
-          <a:effectRef idx="0">
-            <a:schemeClr val="accent1"/>
-          </a:effectRef>
-          <a:fontRef idx="minor">
-            <a:schemeClr val="tx1"/>
-          </a:fontRef>
-        </p:style>
-      </p:cxnSp>
-      <p:cxnSp>
-        <p:nvCxnSpPr>
-          <p:cNvPr id="29" name="도형 28"/>
-          <p:cNvCxnSpPr>
-            <a:stCxn id="9" idx="0"/>
-            <a:endCxn id="4" idx="2"/>
-          </p:cNvCxnSpPr>
-          <p:nvPr/>
-        </p:nvCxnSpPr>
-        <p:spPr>
-          <a:xfrm rot="0" flipV="1">
-            <a:off x="6100445" y="3409950"/>
-            <a:ext cx="37465" cy="791210"/>
-          </a:xfrm>
-          <a:prstGeom prst="straightConnector1"/>
-          <a:ln w="19050" cap="flat" cmpd="sng">
-            <a:solidFill>
-              <a:srgbClr val="FF0000">
-                <a:alpha val="100000"/>
-              </a:srgbClr>
-            </a:solidFill>
-            <a:prstDash val="solid"/>
-            <a:miter lim="800000"/>
-            <a:headEnd type="none" w="med" len="med"/>
-            <a:tailEnd type="triangle" w="med" len="med"/>
-          </a:ln>
-        </p:spPr>
-        <p:style>
-          <a:lnRef idx="1">
-            <a:schemeClr val="accent1"/>
-          </a:lnRef>
-          <a:fillRef idx="0">
-            <a:schemeClr val="accent1"/>
-          </a:fillRef>
-          <a:effectRef idx="0">
-            <a:schemeClr val="accent1"/>
-          </a:effectRef>
-          <a:fontRef idx="minor">
-            <a:schemeClr val="tx1"/>
-          </a:fontRef>
-        </p:style>
-      </p:cxnSp>
-      <p:cxnSp>
-        <p:nvCxnSpPr>
-          <p:cNvPr id="30" name="도형 29"/>
-          <p:cNvCxnSpPr>
-            <a:stCxn id="14" idx="0"/>
-            <a:endCxn id="4" idx="3"/>
-          </p:cNvCxnSpPr>
-          <p:nvPr/>
-        </p:nvCxnSpPr>
-        <p:spPr>
-          <a:xfrm rot="0" flipH="1" flipV="1">
-            <a:off x="7111365" y="3240405"/>
-            <a:ext cx="954405" cy="631190"/>
-          </a:xfrm>
-          <a:prstGeom prst="straightConnector1"/>
-          <a:ln w="19050" cap="flat" cmpd="sng">
-            <a:solidFill>
-              <a:srgbClr val="FF0000">
-                <a:alpha val="100000"/>
-              </a:srgbClr>
-            </a:solidFill>
-            <a:prstDash val="solid"/>
-            <a:miter lim="800000"/>
-            <a:headEnd type="none" w="med" len="med"/>
-            <a:tailEnd type="triangle" w="med" len="med"/>
-          </a:ln>
-        </p:spPr>
-        <p:style>
-          <a:lnRef idx="1">
-            <a:schemeClr val="accent1"/>
-          </a:lnRef>
-          <a:fillRef idx="0">
-            <a:schemeClr val="accent1"/>
-          </a:fillRef>
-          <a:effectRef idx="0">
-            <a:schemeClr val="accent1"/>
-          </a:effectRef>
-          <a:fontRef idx="minor">
-            <a:schemeClr val="tx1"/>
-          </a:fontRef>
-        </p:style>
-      </p:cxnSp>
-      <p:sp>
-        <p:nvSpPr>
-          <p:cNvPr id="31" name="텍스트 상자 30"/>
-          <p:cNvSpPr txBox="1">
-            <a:spLocks/>
-          </p:cNvSpPr>
-          <p:nvPr/>
-        </p:nvSpPr>
-        <p:spPr>
-          <a:xfrm rot="0">
-            <a:off x="2253615" y="2359660"/>
-            <a:ext cx="2835910" cy="647065"/>
-          </a:xfrm>
-          <a:prstGeom prst="rect"/>
-          <a:noFill/>
-          <a:ln w="0">
-            <a:noFill/>
-            <a:prstDash/>
-          </a:ln>
-        </p:spPr>
-        <p:txBody>
-          <a:bodyPr wrap="none" lIns="89535" tIns="46355" rIns="89535" bIns="46355" vert="horz" anchor="t">
-            <a:noAutofit/>
-          </a:bodyPr>
-          <a:lstStyle/>
-          <a:p>
-            <a:pPr marL="0" indent="0" algn="l" fontAlgn="auto" defTabSz="508000">
-              <a:lnSpc>
-                <a:spcPct val="100000"/>
-              </a:lnSpc>
-              <a:spcBef>
-                <a:spcPts val="0"/>
-              </a:spcBef>
-              <a:spcAft>
-                <a:spcPts val="0"/>
-              </a:spcAft>
-              <a:buFontTx/>
-              <a:buNone/>
-            </a:pPr>
-            <a:r>
-              <a:rPr lang="en-US" altLang="ko-KR" sz="1800" cap="none" dirty="0" smtClean="0" b="0" strike="noStrike">
-                <a:latin typeface="맑은 고딕" charset="0"/>
-                <a:ea typeface="맑은 고딕" charset="0"/>
-              </a:rPr>
-              <a:t>데이터 처리 및 PC로 송신</a:t>
-            </a:r>
-            <a:endParaRPr lang="ko-KR" altLang="en-US" sz="1800" cap="none" dirty="0" smtClean="0" b="0" strike="noStrike">
-              <a:latin typeface="맑은 고딕" charset="0"/>
-              <a:ea typeface="맑은 고딕" charset="0"/>
-            </a:endParaRPr>
-          </a:p>
-          <a:p>
-            <a:pPr marL="0" indent="0" algn="l" fontAlgn="auto" defTabSz="508000">
-              <a:lnSpc>
-                <a:spcPct val="100000"/>
-              </a:lnSpc>
-              <a:spcBef>
-                <a:spcPts val="0"/>
-              </a:spcBef>
-              <a:spcAft>
-                <a:spcPts val="0"/>
-              </a:spcAft>
-              <a:buFontTx/>
-              <a:buNone/>
-            </a:pPr>
-            <a:r>
-              <a:rPr lang="en-US" altLang="ko-KR" sz="1800" cap="none" dirty="0" smtClean="0" b="0" strike="noStrike">
-                <a:latin typeface="맑은 고딕" charset="0"/>
-                <a:ea typeface="맑은 고딕" charset="0"/>
-              </a:rPr>
-              <a:t>명령어 형식에 맞게 처리</a:t>
-            </a:r>
-            <a:endParaRPr lang="ko-KR" altLang="en-US" sz="1800" cap="none" dirty="0" smtClean="0" b="0" strike="noStrike">
-              <a:latin typeface="맑은 고딕" charset="0"/>
-              <a:ea typeface="맑은 고딕" charset="0"/>
-            </a:endParaRPr>
-          </a:p>
-        </p:txBody>
-      </p:sp>
-      <p:cxnSp>
-        <p:nvCxnSpPr>
-          <p:cNvPr id="32" name="도형 31"/>
-          <p:cNvCxnSpPr>
-            <a:stCxn id="5" idx="1"/>
-            <a:endCxn id="2" idx="2"/>
-          </p:cNvCxnSpPr>
-          <p:nvPr/>
-        </p:nvCxnSpPr>
-        <p:spPr>
-          <a:xfrm rot="0" flipV="1">
-            <a:off x="6099175" y="1874520"/>
-            <a:ext cx="3175" cy="680720"/>
-          </a:xfrm>
-          <a:prstGeom prst="straightConnector1"/>
-          <a:ln w="19050" cap="flat" cmpd="sng">
-            <a:solidFill>
-              <a:srgbClr val="FF0000">
-                <a:alpha val="100000"/>
-              </a:srgbClr>
-            </a:solidFill>
-            <a:prstDash val="solid"/>
-            <a:miter lim="800000"/>
-            <a:headEnd type="none" w="med" len="med"/>
-            <a:tailEnd type="triangle" w="med" len="med"/>
-          </a:ln>
-        </p:spPr>
-        <p:style>
-          <a:lnRef idx="1">
-            <a:schemeClr val="accent1"/>
-          </a:lnRef>
-          <a:fillRef idx="0">
-            <a:schemeClr val="accent1"/>
-          </a:fillRef>
-          <a:effectRef idx="0">
-            <a:schemeClr val="accent1"/>
-          </a:effectRef>
-          <a:fontRef idx="minor">
-            <a:schemeClr val="tx1"/>
-          </a:fontRef>
-        </p:style>
-      </p:cxnSp>
-      <p:cxnSp>
-        <p:nvCxnSpPr>
-          <p:cNvPr id="33" name="도형 32"/>
-          <p:cNvCxnSpPr/>
-          <p:nvPr/>
-        </p:nvCxnSpPr>
-        <p:spPr>
-          <a:xfrm rot="0" flipH="1">
-            <a:off x="5915660" y="1841500"/>
-            <a:ext cx="11430" cy="677545"/>
-          </a:xfrm>
-          <a:prstGeom prst="straightConnector1"/>
-          <a:ln w="19050" cap="flat" cmpd="sng">
-            <a:solidFill>
-              <a:schemeClr val="accent1">
-                <a:alpha val="100000"/>
-              </a:schemeClr>
-            </a:solidFill>
-            <a:prstDash val="solid"/>
-            <a:miter lim="800000"/>
-            <a:headEnd type="none" w="med" len="med"/>
-            <a:tailEnd type="triangle" w="med" len="med"/>
-          </a:ln>
-        </p:spPr>
-        <p:style>
-          <a:lnRef idx="1">
-            <a:schemeClr val="accent1"/>
-          </a:lnRef>
-          <a:fillRef idx="0">
-            <a:schemeClr val="accent1"/>
-          </a:fillRef>
-          <a:effectRef idx="0">
-            <a:schemeClr val="accent1"/>
-          </a:effectRef>
-          <a:fontRef idx="minor">
-            <a:schemeClr val="tx1"/>
-          </a:fontRef>
-        </p:style>
-      </p:cxnSp>
-      <p:sp>
-        <p:nvSpPr>
-          <p:cNvPr id="34" name="텍스트 상자 33"/>
-          <p:cNvSpPr txBox="1">
-            <a:spLocks/>
-          </p:cNvSpPr>
-          <p:nvPr/>
-        </p:nvSpPr>
-        <p:spPr>
-          <a:xfrm rot="0">
-            <a:off x="4899660" y="1967865"/>
-            <a:ext cx="938530" cy="370205"/>
-          </a:xfrm>
-          <a:prstGeom prst="rect"/>
-          <a:noFill/>
-          <a:ln w="0">
-            <a:noFill/>
-            <a:prstDash/>
-          </a:ln>
-        </p:spPr>
-        <p:txBody>
-          <a:bodyPr wrap="none" lIns="89535" tIns="46355" rIns="89535" bIns="46355" vert="horz" anchor="t">
-            <a:noAutofit/>
-          </a:bodyPr>
-          <a:lstStyle/>
-          <a:p>
-            <a:pPr marL="0" indent="0" algn="l" fontAlgn="auto" defTabSz="508000">
-              <a:lnSpc>
-                <a:spcPct val="100000"/>
-              </a:lnSpc>
-              <a:spcBef>
-                <a:spcPts val="0"/>
-              </a:spcBef>
-              <a:spcAft>
-                <a:spcPts val="0"/>
-              </a:spcAft>
-              <a:buFontTx/>
-              <a:buNone/>
-            </a:pPr>
-            <a:r>
-              <a:rPr lang="en-US" altLang="ko-KR" sz="1800" cap="none" dirty="0" smtClean="0" b="0" strike="noStrike">
-                <a:solidFill>
-                  <a:schemeClr val="accent1"/>
-                </a:solidFill>
-                <a:latin typeface="맑은 고딕" charset="0"/>
-                <a:ea typeface="맑은 고딕" charset="0"/>
-              </a:rPr>
-              <a:t>Refresh</a:t>
-            </a:r>
-            <a:endParaRPr lang="ko-KR" altLang="en-US" sz="1800" cap="none" dirty="0" smtClean="0" b="0" strike="noStrike">
-              <a:solidFill>
-                <a:schemeClr val="accent1"/>
-              </a:solidFill>
-              <a:latin typeface="맑은 고딕" charset="0"/>
-              <a:ea typeface="맑은 고딕" charset="0"/>
-            </a:endParaRPr>
-          </a:p>
-        </p:txBody>
-      </p:sp>
-      <p:sp>
-        <p:nvSpPr>
-          <p:cNvPr id="35" name="텍스트 상자 34"/>
-          <p:cNvSpPr txBox="1">
-            <a:spLocks/>
-          </p:cNvSpPr>
-          <p:nvPr/>
-        </p:nvSpPr>
-        <p:spPr>
-          <a:xfrm rot="0">
-            <a:off x="6116955" y="1957705"/>
-            <a:ext cx="1162050" cy="370205"/>
-          </a:xfrm>
-          <a:prstGeom prst="rect"/>
-          <a:noFill/>
-          <a:ln w="0">
-            <a:noFill/>
-            <a:prstDash/>
-          </a:ln>
-        </p:spPr>
-        <p:txBody>
-          <a:bodyPr wrap="none" lIns="89535" tIns="46355" rIns="89535" bIns="46355" vert="horz" anchor="t">
-            <a:noAutofit/>
-          </a:bodyPr>
-          <a:lstStyle/>
-          <a:p>
-            <a:pPr marL="0" indent="0" algn="l" fontAlgn="auto" defTabSz="508000">
-              <a:lnSpc>
-                <a:spcPct val="100000"/>
-              </a:lnSpc>
-              <a:spcBef>
-                <a:spcPts val="0"/>
-              </a:spcBef>
-              <a:spcAft>
-                <a:spcPts val="0"/>
-              </a:spcAft>
-              <a:buFontTx/>
-              <a:buNone/>
-            </a:pPr>
-            <a:r>
-              <a:rPr lang="en-US" altLang="ko-KR" sz="1800" cap="none" dirty="0" smtClean="0" b="0" strike="noStrike">
-                <a:solidFill>
-                  <a:srgbClr val="FF0000"/>
-                </a:solidFill>
-                <a:latin typeface="맑은 고딕" charset="0"/>
-                <a:ea typeface="맑은 고딕" charset="0"/>
-              </a:rPr>
-              <a:t>Response</a:t>
-            </a:r>
-            <a:endParaRPr lang="ko-KR" altLang="en-US" sz="1800" cap="none" dirty="0" smtClean="0" b="0" strike="noStrike">
-              <a:solidFill>
-                <a:srgbClr val="FF0000"/>
-              </a:solidFill>
-              <a:latin typeface="맑은 고딕" charset="0"/>
-              <a:ea typeface="맑은 고딕" charset="0"/>
-            </a:endParaRPr>
-          </a:p>
-        </p:txBody>
-      </p:sp>
-      <p:cxnSp>
-        <p:nvCxnSpPr>
-          <p:cNvPr id="36" name="도형 35"/>
-          <p:cNvCxnSpPr/>
-          <p:nvPr/>
-        </p:nvCxnSpPr>
-        <p:spPr>
-          <a:xfrm rot="0" flipH="1">
-            <a:off x="4084955" y="3185160"/>
-            <a:ext cx="974090" cy="603885"/>
-          </a:xfrm>
-          <a:prstGeom prst="straightConnector1"/>
-          <a:ln w="19050" cap="flat" cmpd="sng">
-            <a:solidFill>
-              <a:schemeClr val="accent1">
-                <a:alpha val="100000"/>
-              </a:schemeClr>
-            </a:solidFill>
-            <a:prstDash val="solid"/>
-            <a:miter lim="800000"/>
-            <a:headEnd type="none" w="med" len="med"/>
-            <a:tailEnd type="triangle" w="med" len="med"/>
-          </a:ln>
-        </p:spPr>
-        <p:style>
-          <a:lnRef idx="1">
-            <a:schemeClr val="accent1"/>
-          </a:lnRef>
-          <a:fillRef idx="0">
-            <a:schemeClr val="accent1"/>
-          </a:fillRef>
-          <a:effectRef idx="0">
-            <a:schemeClr val="accent1"/>
-          </a:effectRef>
-          <a:fontRef idx="minor">
-            <a:schemeClr val="tx1"/>
-          </a:fontRef>
-        </p:style>
-      </p:cxnSp>
-      <p:cxnSp>
-        <p:nvCxnSpPr>
-          <p:cNvPr id="37" name="도형 36"/>
-          <p:cNvCxnSpPr/>
-          <p:nvPr/>
-        </p:nvCxnSpPr>
-        <p:spPr>
-          <a:xfrm rot="0" flipH="1">
-            <a:off x="5947410" y="3429000"/>
-            <a:ext cx="53975" cy="709295"/>
-          </a:xfrm>
-          <a:prstGeom prst="straightConnector1"/>
-          <a:ln w="19050" cap="flat" cmpd="sng">
-            <a:solidFill>
-              <a:schemeClr val="accent1">
-                <a:alpha val="100000"/>
-              </a:schemeClr>
-            </a:solidFill>
-            <a:prstDash val="solid"/>
-            <a:miter lim="800000"/>
-            <a:headEnd type="none" w="med" len="med"/>
-            <a:tailEnd type="triangle" w="med" len="med"/>
-          </a:ln>
-        </p:spPr>
-        <p:style>
-          <a:lnRef idx="1">
-            <a:schemeClr val="accent1"/>
-          </a:lnRef>
-          <a:fillRef idx="0">
-            <a:schemeClr val="accent1"/>
-          </a:fillRef>
-          <a:effectRef idx="0">
-            <a:schemeClr val="accent1"/>
-          </a:effectRef>
-          <a:fontRef idx="minor">
-            <a:schemeClr val="tx1"/>
-          </a:fontRef>
-        </p:style>
-      </p:cxnSp>
-      <p:cxnSp>
-        <p:nvCxnSpPr>
-          <p:cNvPr id="38" name="도형 37"/>
-          <p:cNvCxnSpPr/>
-          <p:nvPr/>
-        </p:nvCxnSpPr>
-        <p:spPr>
-          <a:xfrm rot="0">
-            <a:off x="7047865" y="3386455"/>
-            <a:ext cx="857885" cy="572135"/>
-          </a:xfrm>
-          <a:prstGeom prst="straightConnector1"/>
-          <a:ln w="19050" cap="flat" cmpd="sng">
-            <a:solidFill>
-              <a:schemeClr val="accent1">
-                <a:alpha val="100000"/>
-              </a:schemeClr>
-            </a:solidFill>
-            <a:prstDash val="solid"/>
-            <a:miter lim="800000"/>
-            <a:headEnd type="none" w="med" len="med"/>
-            <a:tailEnd type="triangle" w="med" len="med"/>
-          </a:ln>
-        </p:spPr>
-        <p:style>
-          <a:lnRef idx="1">
-            <a:schemeClr val="accent1"/>
-          </a:lnRef>
-          <a:fillRef idx="0">
-            <a:schemeClr val="accent1"/>
-          </a:fillRef>
-          <a:effectRef idx="0">
-            <a:schemeClr val="accent1"/>
-          </a:effectRef>
-          <a:fontRef idx="minor">
-            <a:schemeClr val="tx1"/>
-          </a:fontRef>
-        </p:style>
-      </p:cxnSp>
-    </p:spTree>
-  </p:cSld>
-  <p:clrMapOvr>
-    <a:masterClrMapping/>
-  </p:clrMapOvr>
-  <mc:AlternateContent xmlns:mc="http://schemas.openxmlformats.org/markup-compatibility/2006">
-    <mc:Choice xmlns:p14="http://schemas.microsoft.com/office/powerpoint/2010/main" Requires="p14">
-      <p:transition spd="slow" p14:dur="500"/>
-    </mc:Choice>
-    <mc:Fallback>
-      <p:transition spd="slow"/>
-    </mc:Fallback>
-  </mc:AlternateContent>
-</p:sld>
-</file>
-
-<file path=ppt/slides/slide4.xml><?xml version="1.0" encoding="utf-8"?>
-<p:sld xmlns:a="http://schemas.openxmlformats.org/drawingml/2006/main" xmlns:r="http://schemas.openxmlformats.org/officeDocument/2006/relationships" xmlns:p="http://schemas.openxmlformats.org/presentationml/2006/main">
-  <p:cSld>
-    <p:spTree>
-      <p:nvGrpSpPr>
-        <p:cNvPr id="1" name=""/>
-        <p:cNvGrpSpPr/>
-        <p:nvPr/>
-      </p:nvGrpSpPr>
-      <p:grpSpPr>
-        <a:xfrm>
-          <a:off x="0" y="0"/>
-          <a:ext cx="0" cy="0"/>
-          <a:chOff x="0" y="0"/>
-          <a:chExt cx="0" cy="0"/>
-        </a:xfrm>
-      </p:grpSpPr>
-      <p:pic>
-        <p:nvPicPr>
-          <p:cNvPr id="2" name="그림 1" descr="C:/Users/Administrator/AppData/Roaming/PolarisOffice/ETemp/424_2432544/fImage548471206962.jpeg"/>
-          <p:cNvPicPr>
-            <a:picLocks noChangeAspect="1"/>
-          </p:cNvPicPr>
-          <p:nvPr/>
-        </p:nvPicPr>
-        <p:blipFill rotWithShape="1">
-          <a:blip r:embed="rId2">
-            <a:extLst>
-              <a:ext uri="{28A0092B-C50C-407E-A947-70E740481C1C}">
-                <a14:useLocalDpi xmlns:a14="http://schemas.microsoft.com/office/drawing/2010/main" val="0"/>
-              </a:ext>
-            </a:extLst>
-          </a:blip>
-          <a:stretch>
-            <a:fillRect/>
-          </a:stretch>
-        </p:blipFill>
-        <p:spPr>
-          <a:xfrm rot="0">
-            <a:off x="4733925" y="0"/>
-            <a:ext cx="4184650" cy="6858635"/>
+            <a:off x="2166620" y="1600200"/>
+            <a:ext cx="7859395" cy="4526915"/>
           </a:xfrm>
           <a:prstGeom prst="rect"/>
           <a:noFill/>
@@ -7593,7 +6072,7 @@
 </p:sld>
 </file>
 
-<file path=ppt/slides/slide5.xml><?xml version="1.0" encoding="utf-8"?>
+<file path=ppt/slides/slide4.xml><?xml version="1.0" encoding="utf-8"?>
 <p:sld xmlns:a="http://schemas.openxmlformats.org/drawingml/2006/main" xmlns:r="http://schemas.openxmlformats.org/officeDocument/2006/relationships" xmlns:p="http://schemas.openxmlformats.org/presentationml/2006/main">
   <p:cSld>
     <p:spTree>
@@ -7646,6 +6125,16 @@
               <a:buFontTx/>
               <a:buNone/>
             </a:pPr>
+            <a:r>
+              <a:rPr lang="en-US" altLang="ko-KR" sz="5900" cap="none" dirty="0" smtClean="0" b="0" strike="noStrike">
+                <a:solidFill>
+                  <a:schemeClr val="tx1"/>
+                </a:solidFill>
+                <a:latin typeface="맑은 고딕" charset="0"/>
+                <a:ea typeface="맑은 고딕" charset="0"/>
+              </a:rPr>
+              <a:t>Q.</a:t>
+            </a:r>
             <a:endParaRPr lang="ko-KR" altLang="en-US" sz="5900" cap="none" dirty="0" smtClean="0" b="0" strike="noStrike">
               <a:solidFill>
                 <a:schemeClr val="tx1"/>
@@ -7658,44 +6147,51 @@
       </p:sp>
       <p:sp>
         <p:nvSpPr>
-          <p:cNvPr id="3" name="내용 개체 틀 2"/>
+          <p:cNvPr id="3" name="텍스트 개체 틀 2"/>
           <p:cNvSpPr txBox="1">
             <a:spLocks/>
           </p:cNvSpPr>
           <p:nvPr>
-            <p:ph type="obj" idx="1"/>
+            <p:ph type="title" idx="1"/>
           </p:nvPr>
         </p:nvSpPr>
         <p:spPr>
           <a:xfrm rot="0">
-            <a:off x="609600" y="1600200"/>
-            <a:ext cx="5390515" cy="4527550"/>
+            <a:off x="655320" y="1486535"/>
+            <a:ext cx="10974070" cy="1144270"/>
           </a:xfrm>
           <a:prstGeom prst="rect"/>
         </p:spPr>
         <p:txBody>
-          <a:bodyPr wrap="square" lIns="91440" tIns="45720" rIns="91440" bIns="45720" vert="horz" anchor="t">
+          <a:bodyPr wrap="square" lIns="91440" tIns="45720" rIns="91440" bIns="45720" vert="horz" anchor="ctr">
             <a:normAutofit fontScale="100000" lnSpcReduction="0"/>
           </a:bodyPr>
           <a:lstStyle/>
           <a:p>
-            <a:pPr marL="228600" indent="-228600" algn="l" fontAlgn="auto" defTabSz="508000" eaLnBrk="0">
-              <a:lnSpc>
-                <a:spcPct val="90000"/>
-              </a:lnSpc>
-              <a:spcBef>
-                <a:spcPts val="0"/>
-              </a:spcBef>
-              <a:spcAft>
-                <a:spcPts val="0"/>
-              </a:spcAft>
-              <a:buClr>
-                <a:srgbClr val="000000"/>
-              </a:buClr>
-              <a:buFont typeface="맑은 고딕"/>
-              <a:buChar char="•"/>
-            </a:pPr>
-            <a:endParaRPr lang="ko-KR" altLang="en-US" sz="2800" cap="none" dirty="0" smtClean="0" b="0" strike="noStrike">
+            <a:pPr marL="0" indent="0" algn="l" fontAlgn="auto" defTabSz="508000" eaLnBrk="0">
+              <a:lnSpc>
+                <a:spcPct val="100000"/>
+              </a:lnSpc>
+              <a:spcBef>
+                <a:spcPts val="0"/>
+              </a:spcBef>
+              <a:spcAft>
+                <a:spcPts val="0"/>
+              </a:spcAft>
+              <a:buFontTx/>
+              <a:buNone/>
+            </a:pPr>
+            <a:r>
+              <a:rPr lang="en-US" altLang="ko-KR" sz="5900" cap="none" dirty="0" smtClean="0" b="0" strike="noStrike">
+                <a:solidFill>
+                  <a:schemeClr val="tx1"/>
+                </a:solidFill>
+                <a:latin typeface="맑은 고딕" charset="0"/>
+                <a:ea typeface="맑은 고딕" charset="0"/>
+              </a:rPr>
+              <a:t>병영시설에 적용할 수는 없을까?</a:t>
+            </a:r>
+            <a:endParaRPr lang="ko-KR" altLang="en-US" sz="5900" cap="none" dirty="0" smtClean="0" b="0" strike="noStrike">
               <a:solidFill>
                 <a:schemeClr val="tx1"/>
               </a:solidFill>
@@ -7707,44 +6203,107 @@
       </p:sp>
       <p:sp>
         <p:nvSpPr>
-          <p:cNvPr id="4" name="내용 개체 틀 3"/>
+          <p:cNvPr id="4" name="텍스트 개체 틀 3"/>
           <p:cNvSpPr txBox="1">
             <a:spLocks/>
           </p:cNvSpPr>
           <p:nvPr>
-            <p:ph type="obj" idx="2"/>
+            <p:ph type="title" idx="2"/>
           </p:nvPr>
         </p:nvSpPr>
         <p:spPr>
           <a:xfrm rot="0">
-            <a:off x="6193155" y="1600200"/>
-            <a:ext cx="5390515" cy="4527550"/>
+            <a:off x="655320" y="2772410"/>
+            <a:ext cx="10974070" cy="1144270"/>
           </a:xfrm>
           <a:prstGeom prst="rect"/>
         </p:spPr>
         <p:txBody>
-          <a:bodyPr wrap="square" lIns="91440" tIns="45720" rIns="91440" bIns="45720" vert="horz" anchor="t">
+          <a:bodyPr wrap="square" lIns="91440" tIns="45720" rIns="91440" bIns="45720" vert="horz" anchor="ctr">
             <a:normAutofit fontScale="100000" lnSpcReduction="0"/>
           </a:bodyPr>
           <a:lstStyle/>
           <a:p>
-            <a:pPr marL="228600" indent="-228600" algn="l" fontAlgn="auto" defTabSz="508000" eaLnBrk="0">
-              <a:lnSpc>
-                <a:spcPct val="90000"/>
-              </a:lnSpc>
-              <a:spcBef>
-                <a:spcPts val="0"/>
-              </a:spcBef>
-              <a:spcAft>
-                <a:spcPts val="0"/>
-              </a:spcAft>
-              <a:buClr>
-                <a:srgbClr val="000000"/>
-              </a:buClr>
-              <a:buFont typeface="맑은 고딕"/>
-              <a:buChar char="•"/>
-            </a:pPr>
-            <a:endParaRPr lang="ko-KR" altLang="en-US" sz="2800" cap="none" dirty="0" smtClean="0" b="0" strike="noStrike">
+            <a:pPr marL="0" indent="0" algn="l" fontAlgn="auto" defTabSz="508000" eaLnBrk="0">
+              <a:lnSpc>
+                <a:spcPct val="100000"/>
+              </a:lnSpc>
+              <a:spcBef>
+                <a:spcPts val="0"/>
+              </a:spcBef>
+              <a:spcAft>
+                <a:spcPts val="0"/>
+              </a:spcAft>
+              <a:buFontTx/>
+              <a:buNone/>
+            </a:pPr>
+            <a:r>
+              <a:rPr lang="en-US" altLang="ko-KR" sz="5900" cap="none" dirty="0" smtClean="0" b="0" strike="noStrike">
+                <a:solidFill>
+                  <a:schemeClr val="tx1"/>
+                </a:solidFill>
+                <a:latin typeface="맑은 고딕" charset="0"/>
+                <a:ea typeface="맑은 고딕" charset="0"/>
+              </a:rPr>
+              <a:t>A.</a:t>
+            </a:r>
+            <a:endParaRPr lang="ko-KR" altLang="en-US" sz="5900" cap="none" dirty="0" smtClean="0" b="0" strike="noStrike">
+              <a:solidFill>
+                <a:schemeClr val="tx1"/>
+              </a:solidFill>
+              <a:latin typeface="맑은 고딕" charset="0"/>
+              <a:ea typeface="맑은 고딕" charset="0"/>
+            </a:endParaRPr>
+          </a:p>
+        </p:txBody>
+      </p:sp>
+      <p:sp>
+        <p:nvSpPr>
+          <p:cNvPr id="5" name="텍스트 개체 틀 4"/>
+          <p:cNvSpPr txBox="1">
+            <a:spLocks/>
+          </p:cNvSpPr>
+          <p:nvPr>
+            <p:ph type="title" idx="3"/>
+          </p:nvPr>
+        </p:nvSpPr>
+        <p:spPr>
+          <a:xfrm rot="0">
+            <a:off x="658495" y="4001770"/>
+            <a:ext cx="10974070" cy="1144270"/>
+          </a:xfrm>
+          <a:prstGeom prst="rect"/>
+        </p:spPr>
+        <p:txBody>
+          <a:bodyPr wrap="square" lIns="91440" tIns="45720" rIns="91440" bIns="45720" vert="horz" anchor="ctr">
+            <a:normAutofit fontScale="100000" lnSpcReduction="0"/>
+          </a:bodyPr>
+          <a:lstStyle/>
+          <a:p>
+            <a:pPr marL="0" indent="0" algn="l" fontAlgn="auto" defTabSz="508000" eaLnBrk="0">
+              <a:lnSpc>
+                <a:spcPct val="100000"/>
+              </a:lnSpc>
+              <a:spcBef>
+                <a:spcPts val="0"/>
+              </a:spcBef>
+              <a:spcAft>
+                <a:spcPts val="0"/>
+              </a:spcAft>
+              <a:buFontTx/>
+              <a:buNone/>
+            </a:pPr>
+            <a:r>
+              <a:rPr lang="en-US" altLang="ko-KR" sz="5900" cap="none" dirty="0" smtClean="0" b="0" strike="noStrike">
+                <a:solidFill>
+                  <a:schemeClr val="tx1"/>
+                </a:solidFill>
+                <a:latin typeface="맑은 고딕" charset="0"/>
+                <a:ea typeface="맑은 고딕" charset="0"/>
+              </a:rPr>
+              <a:t>효과적으로 적용할 수 있다!</a:t>
+            </a:r>
+            <a:endParaRPr lang="ko-KR" altLang="en-US" sz="5900" cap="none" dirty="0" smtClean="0" b="0" strike="noStrike">
               <a:solidFill>
                 <a:schemeClr val="tx1"/>
               </a:solidFill>
@@ -7770,8 +6329,8 @@
 </p:sld>
 </file>
 
-<file path=ppt/slides/slide6.xml><?xml version="1.0" encoding="utf-8"?>
-<p:sld xmlns:a="http://schemas.openxmlformats.org/drawingml/2006/main" xmlns:r="http://schemas.openxmlformats.org/officeDocument/2006/relationships" xmlns:p="http://schemas.openxmlformats.org/presentationml/2006/main">
+<file path=ppt/slides/slide5.xml><?xml version="1.0" encoding="utf-8"?>
+<p:sld xmlns:a="http://schemas.openxmlformats.org/drawingml/2006/main" xmlns:r="http://schemas.openxmlformats.org/officeDocument/2006/relationships" xmlns:p="http://schemas.openxmlformats.org/presentationml/2006/main" xmlns:p14="http://schemas.microsoft.com/office/powerpoint/2010/main">
   <p:cSld>
     <p:spTree>
       <p:nvGrpSpPr>
@@ -7787,19 +6346,1628 @@
           <a:chExt cx="0" cy="0"/>
         </a:xfrm>
       </p:grpSpPr>
+      <p:grpSp>
+        <p:nvGrpSpPr>
+          <p:cNvPr id="39" name="그룹 38"/>
+          <p:cNvGrpSpPr/>
+          <p:nvPr/>
+        </p:nvGrpSpPr>
+        <p:grpSpPr>
+          <a:xfrm rot="0">
+            <a:off x="1849755" y="1198880"/>
+            <a:ext cx="8274050" cy="5295900"/>
+            <a:chOff x="1849755" y="1198880"/>
+            <a:chExt cx="8274050" cy="5295900"/>
+          </a:xfrm>
+        </p:grpSpPr>
+        <p:pic>
+          <p:nvPicPr>
+            <p:cNvPr id="2" name="그림 1"/>
+            <p:cNvPicPr>
+              <a:picLocks noChangeAspect="1"/>
+            </p:cNvPicPr>
+            <p:nvPr/>
+          </p:nvPicPr>
+          <p:blipFill rotWithShape="1">
+            <a:blip r:embed="rId2">
+              <a:extLst>
+                <a:ext uri="{28A0092B-C50C-407E-A947-70E740481C1C}">
+                  <a14:useLocalDpi xmlns:a14="http://schemas.microsoft.com/office/drawing/2010/main" val="0"/>
+                </a:ext>
+              </a:extLst>
+            </a:blip>
+            <a:stretch>
+              <a:fillRect/>
+            </a:stretch>
+          </p:blipFill>
+          <p:spPr>
+            <a:xfrm rot="0">
+              <a:off x="5452745" y="1520825"/>
+              <a:ext cx="666115" cy="959485"/>
+            </a:xfrm>
+            <a:prstGeom prst="rect"/>
+            <a:noFill/>
+          </p:spPr>
+        </p:pic>
+        <p:pic>
+          <p:nvPicPr>
+            <p:cNvPr id="3" name="그림 2"/>
+            <p:cNvPicPr>
+              <a:picLocks noChangeAspect="1"/>
+            </p:cNvPicPr>
+            <p:nvPr/>
+          </p:nvPicPr>
+          <p:blipFill rotWithShape="1">
+            <a:blip r:embed="rId3">
+              <a:extLst>
+                <a:ext uri="{28A0092B-C50C-407E-A947-70E740481C1C}">
+                  <a14:useLocalDpi xmlns:a14="http://schemas.microsoft.com/office/drawing/2010/main" val="0"/>
+                </a:ext>
+              </a:extLst>
+            </a:blip>
+            <a:stretch>
+              <a:fillRect/>
+            </a:stretch>
+          </p:blipFill>
+          <p:spPr>
+            <a:xfrm rot="0">
+              <a:off x="5227320" y="3056255"/>
+              <a:ext cx="1102995" cy="777875"/>
+            </a:xfrm>
+            <a:prstGeom prst="rect"/>
+            <a:noFill/>
+          </p:spPr>
+        </p:pic>
+        <p:sp>
+          <p:nvSpPr>
+            <p:cNvPr id="5" name="도형 4"/>
+            <p:cNvSpPr>
+              <a:spLocks/>
+            </p:cNvSpPr>
+            <p:nvPr/>
+          </p:nvSpPr>
+          <p:spPr>
+            <a:xfrm rot="0">
+              <a:off x="4890135" y="3070860"/>
+              <a:ext cx="1786255" cy="760095"/>
+            </a:xfrm>
+            <a:prstGeom prst="can"/>
+            <a:solidFill>
+              <a:schemeClr val="accent1">
+                <a:alpha val="40035"/>
+              </a:schemeClr>
+            </a:solidFill>
+          </p:spPr>
+          <p:style>
+            <a:lnRef idx="2">
+              <a:schemeClr val="accent1">
+                <a:shade val="50000"/>
+              </a:schemeClr>
+            </a:lnRef>
+            <a:fillRef idx="1">
+              <a:schemeClr val="accent1"/>
+            </a:fillRef>
+            <a:effectRef idx="0">
+              <a:schemeClr val="accent1"/>
+            </a:effectRef>
+            <a:fontRef idx="minor">
+              <a:schemeClr val="lt1"/>
+            </a:fontRef>
+          </p:style>
+          <p:txBody>
+            <a:bodyPr wrap="square" lIns="91440" tIns="45720" rIns="91440" bIns="45720" vert="horz" anchor="ctr">
+              <a:noAutofit/>
+            </a:bodyPr>
+            <a:lstStyle/>
+            <a:p>
+              <a:pPr marL="0" indent="0" algn="ctr" fontAlgn="auto" defTabSz="508000">
+                <a:lnSpc>
+                  <a:spcPct val="100000"/>
+                </a:lnSpc>
+                <a:spcBef>
+                  <a:spcPts val="0"/>
+                </a:spcBef>
+                <a:spcAft>
+                  <a:spcPts val="0"/>
+                </a:spcAft>
+                <a:buFontTx/>
+                <a:buNone/>
+              </a:pPr>
+              <a:endParaRPr lang="ko-KR" altLang="en-US" sz="1800" cap="none" dirty="0" smtClean="0" b="0" strike="noStrike">
+                <a:latin typeface="맑은 고딕" charset="0"/>
+                <a:ea typeface="맑은 고딕" charset="0"/>
+              </a:endParaRPr>
+            </a:p>
+          </p:txBody>
+        </p:sp>
+        <p:sp>
+          <p:nvSpPr>
+            <p:cNvPr id="4" name="텍스트 상자 3"/>
+            <p:cNvSpPr txBox="1">
+              <a:spLocks/>
+            </p:cNvSpPr>
+            <p:nvPr/>
+          </p:nvSpPr>
+          <p:spPr>
+            <a:xfrm rot="0">
+              <a:off x="4923790" y="3519170"/>
+              <a:ext cx="1788795" cy="295275"/>
+            </a:xfrm>
+            <a:prstGeom prst="rect"/>
+            <a:noFill/>
+            <a:ln w="0">
+              <a:noFill/>
+              <a:prstDash/>
+            </a:ln>
+          </p:spPr>
+          <p:txBody>
+            <a:bodyPr wrap="none" lIns="89535" tIns="46355" rIns="89535" bIns="46355" vert="horz" anchor="t">
+              <a:noAutofit/>
+            </a:bodyPr>
+            <a:lstStyle/>
+            <a:p>
+              <a:pPr marL="0" indent="0" algn="l" fontAlgn="auto" defTabSz="508000">
+                <a:lnSpc>
+                  <a:spcPct val="100000"/>
+                </a:lnSpc>
+                <a:spcBef>
+                  <a:spcPts val="0"/>
+                </a:spcBef>
+                <a:spcAft>
+                  <a:spcPts val="0"/>
+                </a:spcAft>
+                <a:buFontTx/>
+                <a:buNone/>
+              </a:pPr>
+              <a:r>
+                <a:rPr lang="en-US" altLang="ko-KR" sz="1600" cap="none" dirty="0" smtClean="0" b="0" strike="noStrike">
+                  <a:latin typeface="맑은 고딕" charset="0"/>
+                  <a:ea typeface="맑은 고딕" charset="0"/>
+                </a:rPr>
+                <a:t>메인 아두이노 보드</a:t>
+              </a:r>
+              <a:endParaRPr lang="ko-KR" altLang="en-US" sz="1600" cap="none" dirty="0" smtClean="0" b="0" strike="noStrike">
+                <a:latin typeface="맑은 고딕" charset="0"/>
+                <a:ea typeface="맑은 고딕" charset="0"/>
+              </a:endParaRPr>
+            </a:p>
+          </p:txBody>
+        </p:sp>
+        <p:pic>
+          <p:nvPicPr>
+            <p:cNvPr id="7" name="그림 6"/>
+            <p:cNvPicPr>
+              <a:picLocks noChangeAspect="1"/>
+            </p:cNvPicPr>
+            <p:nvPr/>
+          </p:nvPicPr>
+          <p:blipFill rotWithShape="1">
+            <a:blip r:embed="rId4">
+              <a:extLst>
+                <a:ext uri="{28A0092B-C50C-407E-A947-70E740481C1C}">
+                  <a14:useLocalDpi xmlns:a14="http://schemas.microsoft.com/office/drawing/2010/main" val="0"/>
+                </a:ext>
+              </a:extLst>
+            </a:blip>
+            <a:stretch>
+              <a:fillRect/>
+            </a:stretch>
+          </p:blipFill>
+          <p:spPr>
+            <a:xfrm rot="0">
+              <a:off x="2942590" y="4430395"/>
+              <a:ext cx="1052195" cy="1242695"/>
+            </a:xfrm>
+            <a:prstGeom prst="rect"/>
+            <a:noFill/>
+          </p:spPr>
+        </p:pic>
+        <p:pic>
+          <p:nvPicPr>
+            <p:cNvPr id="8" name="그림 7"/>
+            <p:cNvPicPr>
+              <a:picLocks noChangeAspect="1"/>
+            </p:cNvPicPr>
+            <p:nvPr/>
+          </p:nvPicPr>
+          <p:blipFill rotWithShape="1">
+            <a:blip r:embed="rId5">
+              <a:extLst>
+                <a:ext uri="{28A0092B-C50C-407E-A947-70E740481C1C}">
+                  <a14:useLocalDpi xmlns:a14="http://schemas.microsoft.com/office/drawing/2010/main" val="0"/>
+                </a:ext>
+              </a:extLst>
+            </a:blip>
+            <a:stretch>
+              <a:fillRect/>
+            </a:stretch>
+          </p:blipFill>
+          <p:spPr>
+            <a:xfrm rot="0">
+              <a:off x="4570730" y="4940935"/>
+              <a:ext cx="1316355" cy="1249045"/>
+            </a:xfrm>
+            <a:prstGeom prst="rect"/>
+            <a:noFill/>
+          </p:spPr>
+        </p:pic>
+        <p:pic>
+          <p:nvPicPr>
+            <p:cNvPr id="9" name="그림 8"/>
+            <p:cNvPicPr>
+              <a:picLocks noChangeAspect="1"/>
+            </p:cNvPicPr>
+            <p:nvPr/>
+          </p:nvPicPr>
+          <p:blipFill rotWithShape="1">
+            <a:blip r:embed="rId6">
+              <a:extLst>
+                <a:ext uri="{28A0092B-C50C-407E-A947-70E740481C1C}">
+                  <a14:useLocalDpi xmlns:a14="http://schemas.microsoft.com/office/drawing/2010/main" val="0"/>
+                </a:ext>
+              </a:extLst>
+            </a:blip>
+            <a:stretch>
+              <a:fillRect/>
+            </a:stretch>
+          </p:blipFill>
+          <p:spPr>
+            <a:xfrm rot="0">
+              <a:off x="5356225" y="4500880"/>
+              <a:ext cx="857885" cy="748665"/>
+            </a:xfrm>
+            <a:prstGeom prst="rect"/>
+            <a:noFill/>
+          </p:spPr>
+        </p:pic>
+        <p:pic>
+          <p:nvPicPr>
+            <p:cNvPr id="10" name="그림 9"/>
+            <p:cNvPicPr>
+              <a:picLocks noChangeAspect="1"/>
+            </p:cNvPicPr>
+            <p:nvPr/>
+          </p:nvPicPr>
+          <p:blipFill rotWithShape="1">
+            <a:blip r:embed="rId7">
+              <a:extLst>
+                <a:ext uri="{28A0092B-C50C-407E-A947-70E740481C1C}">
+                  <a14:useLocalDpi xmlns:a14="http://schemas.microsoft.com/office/drawing/2010/main" val="0"/>
+                </a:ext>
+              </a:extLst>
+            </a:blip>
+            <a:stretch>
+              <a:fillRect/>
+            </a:stretch>
+          </p:blipFill>
+          <p:spPr>
+            <a:xfrm rot="0" flipH="1">
+              <a:off x="8155940" y="4333875"/>
+              <a:ext cx="1546225" cy="821055"/>
+            </a:xfrm>
+            <a:prstGeom prst="rect"/>
+            <a:noFill/>
+          </p:spPr>
+        </p:pic>
+        <p:pic>
+          <p:nvPicPr>
+            <p:cNvPr id="14" name="그림 13"/>
+            <p:cNvPicPr>
+              <a:picLocks noChangeAspect="1"/>
+            </p:cNvPicPr>
+            <p:nvPr/>
+          </p:nvPicPr>
+          <p:blipFill rotWithShape="1">
+            <a:blip r:embed="rId8">
+              <a:extLst>
+                <a:ext uri="{28A0092B-C50C-407E-A947-70E740481C1C}">
+                  <a14:useLocalDpi xmlns:a14="http://schemas.microsoft.com/office/drawing/2010/main" val="0"/>
+                </a:ext>
+              </a:extLst>
+            </a:blip>
+            <a:stretch>
+              <a:fillRect/>
+            </a:stretch>
+          </p:blipFill>
+          <p:spPr>
+            <a:xfrm rot="0">
+              <a:off x="7009130" y="4214495"/>
+              <a:ext cx="1157605" cy="1049655"/>
+            </a:xfrm>
+            <a:prstGeom prst="rect"/>
+            <a:noFill/>
+          </p:spPr>
+        </p:pic>
+        <p:sp>
+          <p:nvSpPr>
+            <p:cNvPr id="15" name="텍스트 상자 14"/>
+            <p:cNvSpPr txBox="1">
+              <a:spLocks/>
+            </p:cNvSpPr>
+            <p:nvPr/>
+          </p:nvSpPr>
+          <p:spPr>
+            <a:xfrm rot="0">
+              <a:off x="5240020" y="1198880"/>
+              <a:ext cx="1078865" cy="321945"/>
+            </a:xfrm>
+            <a:prstGeom prst="rect"/>
+            <a:noFill/>
+            <a:ln w="0">
+              <a:noFill/>
+              <a:prstDash/>
+            </a:ln>
+          </p:spPr>
+          <p:txBody>
+            <a:bodyPr wrap="none" lIns="89535" tIns="46355" rIns="89535" bIns="46355" vert="horz" anchor="t">
+              <a:noAutofit/>
+            </a:bodyPr>
+            <a:lstStyle/>
+            <a:p>
+              <a:pPr marL="0" indent="0" algn="l" fontAlgn="auto" defTabSz="508000">
+                <a:lnSpc>
+                  <a:spcPct val="100000"/>
+                </a:lnSpc>
+                <a:spcBef>
+                  <a:spcPts val="0"/>
+                </a:spcBef>
+                <a:spcAft>
+                  <a:spcPts val="0"/>
+                </a:spcAft>
+                <a:buFontTx/>
+                <a:buNone/>
+              </a:pPr>
+              <a:r>
+                <a:rPr lang="en-US" altLang="ko-KR" sz="1800" cap="none" dirty="0" smtClean="0" b="0" strike="noStrike">
+                  <a:latin typeface="맑은 고딕" charset="0"/>
+                  <a:ea typeface="맑은 고딕" charset="0"/>
+                </a:rPr>
+                <a:t>중앙 서버</a:t>
+              </a:r>
+              <a:endParaRPr lang="ko-KR" altLang="en-US" sz="1800" cap="none" dirty="0" smtClean="0" b="0" strike="noStrike">
+                <a:latin typeface="맑은 고딕" charset="0"/>
+                <a:ea typeface="맑은 고딕" charset="0"/>
+              </a:endParaRPr>
+            </a:p>
+          </p:txBody>
+        </p:sp>
+        <p:sp>
+          <p:nvSpPr>
+            <p:cNvPr id="16" name="도형 15"/>
+            <p:cNvSpPr>
+              <a:spLocks/>
+            </p:cNvSpPr>
+            <p:nvPr/>
+          </p:nvSpPr>
+          <p:spPr>
+            <a:xfrm rot="0">
+              <a:off x="6768465" y="1377315"/>
+              <a:ext cx="1749425" cy="1268095"/>
+            </a:xfrm>
+            <a:prstGeom prst="rect"/>
+            <a:solidFill>
+              <a:srgbClr val="FFFFFF"/>
+            </a:solidFill>
+            <a:ln w="38100" cap="flat" cmpd="sng">
+              <a:solidFill>
+                <a:schemeClr val="accent1">
+                  <a:alpha val="100000"/>
+                </a:schemeClr>
+              </a:solidFill>
+              <a:prstDash val="solid"/>
+              <a:miter lim="800000"/>
+            </a:ln>
+          </p:spPr>
+          <p:style>
+            <a:lnRef idx="2">
+              <a:schemeClr val="accent1">
+                <a:shade val="50000"/>
+              </a:schemeClr>
+            </a:lnRef>
+            <a:fillRef idx="1">
+              <a:schemeClr val="accent1"/>
+            </a:fillRef>
+            <a:effectRef idx="0">
+              <a:schemeClr val="accent1"/>
+            </a:effectRef>
+            <a:fontRef idx="minor">
+              <a:schemeClr val="lt1"/>
+            </a:fontRef>
+          </p:style>
+          <p:txBody>
+            <a:bodyPr wrap="square" lIns="91440" tIns="45720" rIns="91440" bIns="45720" vert="horz" anchor="ctr">
+              <a:noAutofit/>
+            </a:bodyPr>
+            <a:lstStyle/>
+            <a:p>
+              <a:pPr marL="0" indent="0" algn="ctr" fontAlgn="auto" defTabSz="508000">
+                <a:lnSpc>
+                  <a:spcPct val="100000"/>
+                </a:lnSpc>
+                <a:spcBef>
+                  <a:spcPts val="0"/>
+                </a:spcBef>
+                <a:spcAft>
+                  <a:spcPts val="0"/>
+                </a:spcAft>
+                <a:buFontTx/>
+                <a:buNone/>
+              </a:pPr>
+              <a:endParaRPr lang="ko-KR" altLang="en-US" sz="1800" cap="none" dirty="0" smtClean="0" b="0" strike="noStrike">
+                <a:latin typeface="맑은 고딕" charset="0"/>
+                <a:ea typeface="맑은 고딕" charset="0"/>
+              </a:endParaRPr>
+            </a:p>
+          </p:txBody>
+        </p:sp>
+        <p:sp>
+          <p:nvSpPr>
+            <p:cNvPr id="17" name="텍스트 상자 16"/>
+            <p:cNvSpPr txBox="1">
+              <a:spLocks/>
+            </p:cNvSpPr>
+            <p:nvPr/>
+          </p:nvSpPr>
+          <p:spPr>
+            <a:xfrm rot="0">
+              <a:off x="6809740" y="1709420"/>
+              <a:ext cx="1510665" cy="268605"/>
+            </a:xfrm>
+            <a:prstGeom prst="rect"/>
+            <a:noFill/>
+            <a:ln w="0">
+              <a:noFill/>
+              <a:prstDash/>
+            </a:ln>
+          </p:spPr>
+          <p:txBody>
+            <a:bodyPr wrap="square" lIns="89535" tIns="46355" rIns="89535" bIns="46355" vert="horz" anchor="t">
+              <a:noAutofit/>
+            </a:bodyPr>
+            <a:lstStyle/>
+            <a:p>
+              <a:pPr marL="0" indent="0" algn="l" fontAlgn="auto" defTabSz="508000">
+                <a:lnSpc>
+                  <a:spcPct val="100000"/>
+                </a:lnSpc>
+                <a:spcBef>
+                  <a:spcPts val="0"/>
+                </a:spcBef>
+                <a:spcAft>
+                  <a:spcPts val="0"/>
+                </a:spcAft>
+                <a:buFontTx/>
+                <a:buNone/>
+              </a:pPr>
+              <a:r>
+                <a:rPr lang="en-US" altLang="ko-KR" sz="1400" cap="none" dirty="0" smtClean="0" b="0" strike="noStrike">
+                  <a:latin typeface="맑은 고딕" charset="0"/>
+                  <a:ea typeface="맑은 고딕" charset="0"/>
+                </a:rPr>
+                <a:t>화장실 사용 1/5</a:t>
+              </a:r>
+              <a:endParaRPr lang="ko-KR" altLang="en-US" sz="1400" cap="none" dirty="0" smtClean="0" b="0" strike="noStrike">
+                <a:latin typeface="맑은 고딕" charset="0"/>
+                <a:ea typeface="맑은 고딕" charset="0"/>
+              </a:endParaRPr>
+            </a:p>
+          </p:txBody>
+        </p:sp>
+        <p:sp>
+          <p:nvSpPr>
+            <p:cNvPr id="18" name="텍스트 상자 17"/>
+            <p:cNvSpPr txBox="1">
+              <a:spLocks/>
+            </p:cNvSpPr>
+            <p:nvPr/>
+          </p:nvSpPr>
+          <p:spPr>
+            <a:xfrm rot="0">
+              <a:off x="7005320" y="1361440"/>
+              <a:ext cx="1288415" cy="321945"/>
+            </a:xfrm>
+            <a:prstGeom prst="rect"/>
+            <a:noFill/>
+            <a:ln w="0">
+              <a:noFill/>
+              <a:prstDash/>
+            </a:ln>
+          </p:spPr>
+          <p:txBody>
+            <a:bodyPr wrap="none" lIns="89535" tIns="46355" rIns="89535" bIns="46355" vert="horz" anchor="t">
+              <a:noAutofit/>
+            </a:bodyPr>
+            <a:lstStyle/>
+            <a:p>
+              <a:pPr marL="0" indent="0" algn="ctr" fontAlgn="auto" defTabSz="508000">
+                <a:lnSpc>
+                  <a:spcPct val="100000"/>
+                </a:lnSpc>
+                <a:spcBef>
+                  <a:spcPts val="0"/>
+                </a:spcBef>
+                <a:spcAft>
+                  <a:spcPts val="0"/>
+                </a:spcAft>
+                <a:buFontTx/>
+                <a:buNone/>
+              </a:pPr>
+              <a:r>
+                <a:rPr lang="en-US" altLang="ko-KR" sz="1800" cap="none" dirty="0" smtClean="0" b="0" strike="noStrike">
+                  <a:latin typeface="맑은 고딕" charset="0"/>
+                  <a:ea typeface="맑은 고딕" charset="0"/>
+                </a:rPr>
+                <a:t>관제 모니터</a:t>
+              </a:r>
+              <a:endParaRPr lang="ko-KR" altLang="en-US" sz="1800" cap="none" dirty="0" smtClean="0" b="0" strike="noStrike">
+                <a:latin typeface="맑은 고딕" charset="0"/>
+                <a:ea typeface="맑은 고딕" charset="0"/>
+              </a:endParaRPr>
+            </a:p>
+          </p:txBody>
+        </p:sp>
+        <p:cxnSp>
+          <p:nvCxnSpPr>
+            <p:cNvPr id="19" name="도형 18"/>
+            <p:cNvCxnSpPr>
+              <a:stCxn id="2" idx="3"/>
+              <a:endCxn id="16" idx="1"/>
+            </p:cNvCxnSpPr>
+            <p:nvPr/>
+          </p:nvCxnSpPr>
+          <p:spPr>
+            <a:xfrm rot="0">
+              <a:off x="6118225" y="2000885"/>
+              <a:ext cx="650875" cy="10795"/>
+            </a:xfrm>
+            <a:prstGeom prst="straightConnector1"/>
+            <a:ln w="19050" cap="flat" cmpd="sng">
+              <a:solidFill>
+                <a:schemeClr val="accent1">
+                  <a:alpha val="100000"/>
+                </a:schemeClr>
+              </a:solidFill>
+              <a:prstDash val="solid"/>
+              <a:miter lim="800000"/>
+              <a:headEnd type="none" w="med" len="med"/>
+              <a:tailEnd type="triangle" w="med" len="med"/>
+            </a:ln>
+          </p:spPr>
+          <p:style>
+            <a:lnRef idx="1">
+              <a:schemeClr val="accent1"/>
+            </a:lnRef>
+            <a:fillRef idx="0">
+              <a:schemeClr val="accent1"/>
+            </a:fillRef>
+            <a:effectRef idx="0">
+              <a:schemeClr val="accent1"/>
+            </a:effectRef>
+            <a:fontRef idx="minor">
+              <a:schemeClr val="tx1"/>
+            </a:fontRef>
+          </p:style>
+        </p:cxnSp>
+        <p:cxnSp>
+          <p:nvCxnSpPr>
+            <p:cNvPr id="20" name="도형 19"/>
+            <p:cNvCxnSpPr/>
+            <p:nvPr/>
+          </p:nvCxnSpPr>
+          <p:spPr>
+            <a:xfrm rot="0">
+              <a:off x="6760845" y="1686560"/>
+              <a:ext cx="1757045" cy="635"/>
+            </a:xfrm>
+            <a:prstGeom prst="line"/>
+            <a:ln w="38100" cap="flat" cmpd="sng">
+              <a:solidFill>
+                <a:schemeClr val="accent1">
+                  <a:alpha val="100000"/>
+                </a:schemeClr>
+              </a:solidFill>
+              <a:prstDash val="solid"/>
+              <a:miter lim="800000"/>
+              <a:headEnd type="none" w="med" len="med"/>
+              <a:tailEnd type="none" w="med" len="med"/>
+            </a:ln>
+          </p:spPr>
+          <p:style>
+            <a:lnRef idx="3">
+              <a:schemeClr val="accent1"/>
+            </a:lnRef>
+            <a:fillRef idx="0">
+              <a:schemeClr val="accent1"/>
+            </a:fillRef>
+            <a:effectRef idx="2">
+              <a:schemeClr val="accent1"/>
+            </a:effectRef>
+            <a:fontRef idx="minor">
+              <a:schemeClr val="tx1"/>
+            </a:fontRef>
+          </p:style>
+        </p:cxnSp>
+        <p:sp>
+          <p:nvSpPr>
+            <p:cNvPr id="21" name="텍스트 상자 20"/>
+            <p:cNvSpPr txBox="1">
+              <a:spLocks/>
+            </p:cNvSpPr>
+            <p:nvPr/>
+          </p:nvSpPr>
+          <p:spPr>
+            <a:xfrm rot="0">
+              <a:off x="6810375" y="1972945"/>
+              <a:ext cx="1478915" cy="268605"/>
+            </a:xfrm>
+            <a:prstGeom prst="rect"/>
+            <a:noFill/>
+            <a:ln w="0" cap="flat" cmpd="sng">
+              <a:solidFill>
+                <a:srgbClr val="FFFFFF">
+                  <a:alpha val="100000"/>
+                </a:srgbClr>
+              </a:solidFill>
+              <a:prstDash/>
+            </a:ln>
+          </p:spPr>
+          <p:txBody>
+            <a:bodyPr wrap="square" lIns="89535" tIns="46355" rIns="89535" bIns="46355" vert="horz" anchor="t">
+              <a:noAutofit/>
+            </a:bodyPr>
+            <a:lstStyle/>
+            <a:p>
+              <a:pPr marL="0" indent="0" algn="l" fontAlgn="auto" defTabSz="508000">
+                <a:lnSpc>
+                  <a:spcPct val="100000"/>
+                </a:lnSpc>
+                <a:spcBef>
+                  <a:spcPts val="0"/>
+                </a:spcBef>
+                <a:spcAft>
+                  <a:spcPts val="0"/>
+                </a:spcAft>
+                <a:buFontTx/>
+                <a:buNone/>
+              </a:pPr>
+              <a:r>
+                <a:rPr lang="en-US" altLang="ko-KR" sz="1400" cap="none" dirty="0" smtClean="0" b="0" strike="noStrike">
+                  <a:latin typeface="맑은 고딕" charset="0"/>
+                  <a:ea typeface="맑은 고딕" charset="0"/>
+                </a:rPr>
+                <a:t>생활관 에어컨</a:t>
+              </a:r>
+              <a:endParaRPr lang="ko-KR" altLang="en-US" sz="1400" cap="none" dirty="0" smtClean="0" b="0" strike="noStrike">
+                <a:latin typeface="맑은 고딕" charset="0"/>
+                <a:ea typeface="맑은 고딕" charset="0"/>
+              </a:endParaRPr>
+            </a:p>
+          </p:txBody>
+        </p:sp>
+        <p:sp>
+          <p:nvSpPr>
+            <p:cNvPr id="22" name="텍스트 상자 21"/>
+            <p:cNvSpPr txBox="1">
+              <a:spLocks/>
+            </p:cNvSpPr>
+            <p:nvPr/>
+          </p:nvSpPr>
+          <p:spPr>
+            <a:xfrm rot="0">
+              <a:off x="6810375" y="2251075"/>
+              <a:ext cx="1478915" cy="268605"/>
+            </a:xfrm>
+            <a:prstGeom prst="rect"/>
+            <a:noFill/>
+            <a:ln w="0" cap="flat" cmpd="sng">
+              <a:solidFill>
+                <a:srgbClr val="FFFFFF">
+                  <a:alpha val="100000"/>
+                </a:srgbClr>
+              </a:solidFill>
+              <a:prstDash/>
+            </a:ln>
+          </p:spPr>
+          <p:txBody>
+            <a:bodyPr wrap="square" lIns="89535" tIns="46355" rIns="89535" bIns="46355" vert="horz" anchor="t">
+              <a:noAutofit/>
+            </a:bodyPr>
+            <a:lstStyle/>
+            <a:p>
+              <a:pPr marL="0" indent="0" algn="l" fontAlgn="auto" defTabSz="508000">
+                <a:lnSpc>
+                  <a:spcPct val="100000"/>
+                </a:lnSpc>
+                <a:spcBef>
+                  <a:spcPts val="0"/>
+                </a:spcBef>
+                <a:spcAft>
+                  <a:spcPts val="0"/>
+                </a:spcAft>
+                <a:buFontTx/>
+                <a:buNone/>
+              </a:pPr>
+              <a:r>
+                <a:rPr lang="en-US" altLang="ko-KR" sz="1400" cap="none" dirty="0" smtClean="0" b="0" strike="noStrike">
+                  <a:latin typeface="맑은 고딕" charset="0"/>
+                  <a:ea typeface="맑은 고딕" charset="0"/>
+                </a:rPr>
+                <a:t>위험 상황 없음</a:t>
+              </a:r>
+              <a:endParaRPr lang="ko-KR" altLang="en-US" sz="1400" cap="none" dirty="0" smtClean="0" b="0" strike="noStrike">
+                <a:latin typeface="맑은 고딕" charset="0"/>
+                <a:ea typeface="맑은 고딕" charset="0"/>
+              </a:endParaRPr>
+            </a:p>
+          </p:txBody>
+        </p:sp>
+        <p:sp>
+          <p:nvSpPr>
+            <p:cNvPr id="23" name="텍스트 상자 22"/>
+            <p:cNvSpPr txBox="1">
+              <a:spLocks/>
+            </p:cNvSpPr>
+            <p:nvPr/>
+          </p:nvSpPr>
+          <p:spPr>
+            <a:xfrm rot="0">
+              <a:off x="2387600" y="4130040"/>
+              <a:ext cx="1602105" cy="295275"/>
+            </a:xfrm>
+            <a:prstGeom prst="rect"/>
+            <a:noFill/>
+            <a:ln w="0" cap="flat" cmpd="sng">
+              <a:solidFill>
+                <a:srgbClr val="FFFFFF">
+                  <a:alpha val="100000"/>
+                </a:srgbClr>
+              </a:solidFill>
+              <a:prstDash/>
+            </a:ln>
+          </p:spPr>
+          <p:txBody>
+            <a:bodyPr wrap="none" lIns="89535" tIns="46355" rIns="89535" bIns="46355" vert="horz" anchor="t">
+              <a:noAutofit/>
+            </a:bodyPr>
+            <a:lstStyle/>
+            <a:p>
+              <a:pPr marL="0" indent="0" algn="l" fontAlgn="auto" defTabSz="508000">
+                <a:lnSpc>
+                  <a:spcPct val="100000"/>
+                </a:lnSpc>
+                <a:spcBef>
+                  <a:spcPts val="0"/>
+                </a:spcBef>
+                <a:spcAft>
+                  <a:spcPts val="0"/>
+                </a:spcAft>
+                <a:buFontTx/>
+                <a:buNone/>
+              </a:pPr>
+              <a:r>
+                <a:rPr lang="en-US" altLang="ko-KR" sz="1600" cap="none" dirty="0" smtClean="0" b="0" strike="noStrike">
+                  <a:latin typeface="맑은 고딕" charset="0"/>
+                  <a:ea typeface="맑은 고딕" charset="0"/>
+                </a:rPr>
+                <a:t>화장실 앞 전광판</a:t>
+              </a:r>
+              <a:endParaRPr lang="ko-KR" altLang="en-US" sz="1600" cap="none" dirty="0" smtClean="0" b="0" strike="noStrike">
+                <a:latin typeface="맑은 고딕" charset="0"/>
+                <a:ea typeface="맑은 고딕" charset="0"/>
+              </a:endParaRPr>
+            </a:p>
+          </p:txBody>
+        </p:sp>
+        <p:sp>
+          <p:nvSpPr>
+            <p:cNvPr id="24" name="텍스트 상자 23"/>
+            <p:cNvSpPr txBox="1">
+              <a:spLocks/>
+            </p:cNvSpPr>
+            <p:nvPr/>
+          </p:nvSpPr>
+          <p:spPr>
+            <a:xfrm rot="0">
+              <a:off x="3362960" y="5379720"/>
+              <a:ext cx="409575" cy="268605"/>
+            </a:xfrm>
+            <a:prstGeom prst="rect"/>
+            <a:noFill/>
+            <a:ln w="0" cap="flat" cmpd="sng">
+              <a:solidFill>
+                <a:srgbClr val="FFFFFF">
+                  <a:alpha val="100000"/>
+                </a:srgbClr>
+              </a:solidFill>
+              <a:prstDash/>
+            </a:ln>
+          </p:spPr>
+          <p:txBody>
+            <a:bodyPr wrap="none" lIns="89535" tIns="46355" rIns="89535" bIns="46355" vert="horz" anchor="t">
+              <a:noAutofit/>
+            </a:bodyPr>
+            <a:lstStyle/>
+            <a:p>
+              <a:pPr marL="0" indent="0" algn="l" fontAlgn="auto" defTabSz="508000">
+                <a:lnSpc>
+                  <a:spcPct val="100000"/>
+                </a:lnSpc>
+                <a:spcBef>
+                  <a:spcPts val="0"/>
+                </a:spcBef>
+                <a:spcAft>
+                  <a:spcPts val="0"/>
+                </a:spcAft>
+                <a:buFontTx/>
+                <a:buNone/>
+              </a:pPr>
+              <a:r>
+                <a:rPr lang="en-US" altLang="ko-KR" sz="1400" cap="none" dirty="0" smtClean="0" b="0" strike="noStrike">
+                  <a:latin typeface="맑은 고딕" charset="0"/>
+                  <a:ea typeface="맑은 고딕" charset="0"/>
+                </a:rPr>
+                <a:t>1/5</a:t>
+              </a:r>
+              <a:endParaRPr lang="ko-KR" altLang="en-US" sz="1400" cap="none" dirty="0" smtClean="0" b="0" strike="noStrike">
+                <a:latin typeface="맑은 고딕" charset="0"/>
+                <a:ea typeface="맑은 고딕" charset="0"/>
+              </a:endParaRPr>
+            </a:p>
+          </p:txBody>
+        </p:sp>
+        <p:sp>
+          <p:nvSpPr>
+            <p:cNvPr id="25" name="텍스트 상자 24"/>
+            <p:cNvSpPr txBox="1">
+              <a:spLocks/>
+            </p:cNvSpPr>
+            <p:nvPr/>
+          </p:nvSpPr>
+          <p:spPr>
+            <a:xfrm rot="0">
+              <a:off x="7755255" y="4044315"/>
+              <a:ext cx="2367915" cy="295275"/>
+            </a:xfrm>
+            <a:prstGeom prst="rect"/>
+            <a:noFill/>
+            <a:ln w="0" cap="flat" cmpd="sng">
+              <a:solidFill>
+                <a:srgbClr val="FFFFFF">
+                  <a:alpha val="100000"/>
+                </a:srgbClr>
+              </a:solidFill>
+              <a:prstDash/>
+            </a:ln>
+          </p:spPr>
+          <p:txBody>
+            <a:bodyPr wrap="square" lIns="89535" tIns="46355" rIns="89535" bIns="46355" vert="horz" anchor="t">
+              <a:noAutofit/>
+            </a:bodyPr>
+            <a:lstStyle/>
+            <a:p>
+              <a:pPr marL="0" indent="0" algn="l" fontAlgn="auto" defTabSz="508000">
+                <a:lnSpc>
+                  <a:spcPct val="100000"/>
+                </a:lnSpc>
+                <a:spcBef>
+                  <a:spcPts val="0"/>
+                </a:spcBef>
+                <a:spcAft>
+                  <a:spcPts val="0"/>
+                </a:spcAft>
+                <a:buFontTx/>
+                <a:buNone/>
+              </a:pPr>
+              <a:r>
+                <a:rPr lang="en-US" altLang="ko-KR" sz="1600" cap="none" dirty="0" smtClean="0" b="0" strike="noStrike">
+                  <a:latin typeface="맑은 고딕" charset="0"/>
+                  <a:ea typeface="맑은 고딕" charset="0"/>
+                </a:rPr>
+                <a:t>생활관 내부 환경 센서</a:t>
+              </a:r>
+              <a:endParaRPr lang="ko-KR" altLang="en-US" sz="1600" cap="none" dirty="0" smtClean="0" b="0" strike="noStrike">
+                <a:latin typeface="맑은 고딕" charset="0"/>
+                <a:ea typeface="맑은 고딕" charset="0"/>
+              </a:endParaRPr>
+            </a:p>
+          </p:txBody>
+        </p:sp>
+        <p:sp>
+          <p:nvSpPr>
+            <p:cNvPr id="26" name="텍스트 상자 25"/>
+            <p:cNvSpPr txBox="1">
+              <a:spLocks/>
+            </p:cNvSpPr>
+            <p:nvPr/>
+          </p:nvSpPr>
+          <p:spPr>
+            <a:xfrm rot="0">
+              <a:off x="4686300" y="6198870"/>
+              <a:ext cx="1329055" cy="295275"/>
+            </a:xfrm>
+            <a:prstGeom prst="rect"/>
+            <a:noFill/>
+            <a:ln w="0" cap="flat" cmpd="sng">
+              <a:solidFill>
+                <a:srgbClr val="FFFFFF">
+                  <a:alpha val="100000"/>
+                </a:srgbClr>
+              </a:solidFill>
+              <a:prstDash/>
+            </a:ln>
+          </p:spPr>
+          <p:txBody>
+            <a:bodyPr wrap="square" lIns="89535" tIns="46355" rIns="89535" bIns="46355" vert="horz" anchor="t">
+              <a:noAutofit/>
+            </a:bodyPr>
+            <a:lstStyle/>
+            <a:p>
+              <a:pPr marL="0" indent="0" algn="l" fontAlgn="auto" defTabSz="508000">
+                <a:lnSpc>
+                  <a:spcPct val="100000"/>
+                </a:lnSpc>
+                <a:spcBef>
+                  <a:spcPts val="0"/>
+                </a:spcBef>
+                <a:spcAft>
+                  <a:spcPts val="0"/>
+                </a:spcAft>
+                <a:buFontTx/>
+                <a:buNone/>
+              </a:pPr>
+              <a:r>
+                <a:rPr lang="en-US" altLang="ko-KR" sz="1600" cap="none" dirty="0" smtClean="0" b="0" strike="noStrike">
+                  <a:latin typeface="맑은 고딕" charset="0"/>
+                  <a:ea typeface="맑은 고딕" charset="0"/>
+                </a:rPr>
+                <a:t>화장실 센서</a:t>
+              </a:r>
+              <a:endParaRPr lang="ko-KR" altLang="en-US" sz="1600" cap="none" dirty="0" smtClean="0" b="0" strike="noStrike">
+                <a:latin typeface="맑은 고딕" charset="0"/>
+                <a:ea typeface="맑은 고딕" charset="0"/>
+              </a:endParaRPr>
+            </a:p>
+          </p:txBody>
+        </p:sp>
+        <p:sp>
+          <p:nvSpPr>
+            <p:cNvPr id="27" name="텍스트 상자 26"/>
+            <p:cNvSpPr txBox="1">
+              <a:spLocks/>
+            </p:cNvSpPr>
+            <p:nvPr/>
+          </p:nvSpPr>
+          <p:spPr>
+            <a:xfrm rot="0">
+              <a:off x="6810375" y="3288030"/>
+              <a:ext cx="2018665" cy="321945"/>
+            </a:xfrm>
+            <a:prstGeom prst="rect"/>
+            <a:noFill/>
+            <a:ln w="0">
+              <a:noFill/>
+              <a:prstDash/>
+            </a:ln>
+          </p:spPr>
+          <p:txBody>
+            <a:bodyPr wrap="none" lIns="89535" tIns="46355" rIns="89535" bIns="46355" vert="horz" anchor="t">
+              <a:noAutofit/>
+            </a:bodyPr>
+            <a:lstStyle/>
+            <a:p>
+              <a:pPr marL="0" indent="0" algn="l" fontAlgn="auto" defTabSz="508000">
+                <a:lnSpc>
+                  <a:spcPct val="100000"/>
+                </a:lnSpc>
+                <a:spcBef>
+                  <a:spcPts val="0"/>
+                </a:spcBef>
+                <a:spcAft>
+                  <a:spcPts val="0"/>
+                </a:spcAft>
+                <a:buFontTx/>
+                <a:buNone/>
+              </a:pPr>
+              <a:r>
+                <a:rPr lang="en-US" altLang="ko-KR" sz="1800" cap="none" dirty="0" smtClean="0" b="0" strike="noStrike">
+                  <a:solidFill>
+                    <a:srgbClr val="FF0000"/>
+                  </a:solidFill>
+                  <a:latin typeface="맑은 고딕" charset="0"/>
+                  <a:ea typeface="맑은 고딕" charset="0"/>
+                </a:rPr>
+                <a:t>1대n 네트워크 방식</a:t>
+              </a:r>
+              <a:endParaRPr lang="ko-KR" altLang="en-US" sz="1800" cap="none" dirty="0" smtClean="0" b="0" strike="noStrike">
+                <a:solidFill>
+                  <a:srgbClr val="FF0000"/>
+                </a:solidFill>
+                <a:latin typeface="맑은 고딕" charset="0"/>
+                <a:ea typeface="맑은 고딕" charset="0"/>
+              </a:endParaRPr>
+            </a:p>
+          </p:txBody>
+        </p:sp>
+        <p:cxnSp>
+          <p:nvCxnSpPr>
+            <p:cNvPr id="28" name="도형 27"/>
+            <p:cNvCxnSpPr>
+              <a:endCxn id="4" idx="1"/>
+            </p:cNvCxnSpPr>
+            <p:nvPr/>
+          </p:nvCxnSpPr>
+          <p:spPr>
+            <a:xfrm rot="0" flipV="1">
+              <a:off x="4041140" y="3666490"/>
+              <a:ext cx="883285" cy="550545"/>
+            </a:xfrm>
+            <a:prstGeom prst="straightConnector1"/>
+            <a:ln w="19050" cap="flat" cmpd="sng">
+              <a:solidFill>
+                <a:srgbClr val="FF0000">
+                  <a:alpha val="100000"/>
+                </a:srgbClr>
+              </a:solidFill>
+              <a:prstDash val="solid"/>
+              <a:miter lim="800000"/>
+              <a:headEnd type="none" w="med" len="med"/>
+              <a:tailEnd type="triangle" w="med" len="med"/>
+            </a:ln>
+          </p:spPr>
+          <p:style>
+            <a:lnRef idx="1">
+              <a:schemeClr val="accent1"/>
+            </a:lnRef>
+            <a:fillRef idx="0">
+              <a:schemeClr val="accent1"/>
+            </a:fillRef>
+            <a:effectRef idx="0">
+              <a:schemeClr val="accent1"/>
+            </a:effectRef>
+            <a:fontRef idx="minor">
+              <a:schemeClr val="tx1"/>
+            </a:fontRef>
+          </p:style>
+        </p:cxnSp>
+        <p:cxnSp>
+          <p:nvCxnSpPr>
+            <p:cNvPr id="29" name="도형 28"/>
+            <p:cNvCxnSpPr>
+              <a:stCxn id="9" idx="0"/>
+              <a:endCxn id="4" idx="2"/>
+            </p:cNvCxnSpPr>
+            <p:nvPr/>
+          </p:nvCxnSpPr>
+          <p:spPr>
+            <a:xfrm rot="0" flipV="1">
+              <a:off x="5783580" y="3813810"/>
+              <a:ext cx="34925" cy="687705"/>
+            </a:xfrm>
+            <a:prstGeom prst="straightConnector1"/>
+            <a:ln w="19050" cap="flat" cmpd="sng">
+              <a:solidFill>
+                <a:srgbClr val="FF0000">
+                  <a:alpha val="100000"/>
+                </a:srgbClr>
+              </a:solidFill>
+              <a:prstDash val="solid"/>
+              <a:miter lim="800000"/>
+              <a:headEnd type="none" w="med" len="med"/>
+              <a:tailEnd type="triangle" w="med" len="med"/>
+            </a:ln>
+          </p:spPr>
+          <p:style>
+            <a:lnRef idx="1">
+              <a:schemeClr val="accent1"/>
+            </a:lnRef>
+            <a:fillRef idx="0">
+              <a:schemeClr val="accent1"/>
+            </a:fillRef>
+            <a:effectRef idx="0">
+              <a:schemeClr val="accent1"/>
+            </a:effectRef>
+            <a:fontRef idx="minor">
+              <a:schemeClr val="tx1"/>
+            </a:fontRef>
+          </p:style>
+        </p:cxnSp>
+        <p:cxnSp>
+          <p:nvCxnSpPr>
+            <p:cNvPr id="30" name="도형 29"/>
+            <p:cNvCxnSpPr>
+              <a:stCxn id="14" idx="0"/>
+              <a:endCxn id="4" idx="3"/>
+            </p:cNvCxnSpPr>
+            <p:nvPr/>
+          </p:nvCxnSpPr>
+          <p:spPr>
+            <a:xfrm rot="0" flipH="1" flipV="1">
+              <a:off x="6712585" y="3667125"/>
+              <a:ext cx="875665" cy="548005"/>
+            </a:xfrm>
+            <a:prstGeom prst="straightConnector1"/>
+            <a:ln w="19050" cap="flat" cmpd="sng">
+              <a:solidFill>
+                <a:srgbClr val="FF0000">
+                  <a:alpha val="100000"/>
+                </a:srgbClr>
+              </a:solidFill>
+              <a:prstDash val="solid"/>
+              <a:miter lim="800000"/>
+              <a:headEnd type="none" w="med" len="med"/>
+              <a:tailEnd type="triangle" w="med" len="med"/>
+            </a:ln>
+          </p:spPr>
+          <p:style>
+            <a:lnRef idx="1">
+              <a:schemeClr val="accent1"/>
+            </a:lnRef>
+            <a:fillRef idx="0">
+              <a:schemeClr val="accent1"/>
+            </a:fillRef>
+            <a:effectRef idx="0">
+              <a:schemeClr val="accent1"/>
+            </a:effectRef>
+            <a:fontRef idx="minor">
+              <a:schemeClr val="tx1"/>
+            </a:fontRef>
+          </p:style>
+        </p:cxnSp>
+        <p:sp>
+          <p:nvSpPr>
+            <p:cNvPr id="31" name="텍스트 상자 30"/>
+            <p:cNvSpPr txBox="1">
+              <a:spLocks/>
+            </p:cNvSpPr>
+            <p:nvPr/>
+          </p:nvSpPr>
+          <p:spPr>
+            <a:xfrm rot="0">
+              <a:off x="1849755" y="2867025"/>
+              <a:ext cx="2603500" cy="562610"/>
+            </a:xfrm>
+            <a:prstGeom prst="rect"/>
+            <a:noFill/>
+            <a:ln w="0">
+              <a:noFill/>
+              <a:prstDash/>
+            </a:ln>
+          </p:spPr>
+          <p:txBody>
+            <a:bodyPr wrap="none" lIns="89535" tIns="46355" rIns="89535" bIns="46355" numCol="1" vert="horz" anchor="t">
+              <a:noAutofit/>
+            </a:bodyPr>
+            <a:lstStyle/>
+            <a:p>
+              <a:pPr marL="0" indent="0" algn="l" fontAlgn="auto" defTabSz="508000" eaLnBrk="0" latinLnBrk="0">
+                <a:lnSpc>
+                  <a:spcPct val="100000"/>
+                </a:lnSpc>
+                <a:spcBef>
+                  <a:spcPts val="0"/>
+                </a:spcBef>
+                <a:spcAft>
+                  <a:spcPts val="0"/>
+                </a:spcAft>
+                <a:buFontTx/>
+                <a:buNone/>
+              </a:pPr>
+              <a:r>
+                <a:rPr lang="en-US" altLang="ko-KR" sz="1800" cap="none" dirty="0" smtClean="0" b="0" strike="noStrike">
+                  <a:latin typeface="맑은 고딕" charset="0"/>
+                  <a:ea typeface="맑은 고딕" charset="0"/>
+                </a:rPr>
+                <a:t>데이터 처리 및 PC로 송신</a:t>
+              </a:r>
+              <a:endParaRPr lang="ko-KR" altLang="en-US" sz="1800" cap="none" dirty="0" smtClean="0" b="0" strike="noStrike">
+                <a:latin typeface="맑은 고딕" charset="0"/>
+                <a:ea typeface="맑은 고딕" charset="0"/>
+              </a:endParaRPr>
+            </a:p>
+            <a:p>
+              <a:pPr marL="0" indent="0" algn="l" fontAlgn="auto" defTabSz="508000" eaLnBrk="0" latinLnBrk="0">
+                <a:lnSpc>
+                  <a:spcPct val="100000"/>
+                </a:lnSpc>
+                <a:spcBef>
+                  <a:spcPts val="0"/>
+                </a:spcBef>
+                <a:spcAft>
+                  <a:spcPts val="0"/>
+                </a:spcAft>
+                <a:buFontTx/>
+                <a:buNone/>
+              </a:pPr>
+              <a:r>
+                <a:rPr lang="en-US" altLang="ko-KR" sz="1800" cap="none" dirty="0" smtClean="0" b="0" strike="noStrike">
+                  <a:latin typeface="맑은 고딕" charset="0"/>
+                  <a:ea typeface="맑은 고딕" charset="0"/>
+                </a:rPr>
+                <a:t>명령어 형식에 맞게 처리</a:t>
+              </a:r>
+              <a:endParaRPr lang="ko-KR" altLang="en-US" sz="1800" cap="none" dirty="0" smtClean="0" b="0" strike="noStrike">
+                <a:latin typeface="맑은 고딕" charset="0"/>
+                <a:ea typeface="맑은 고딕" charset="0"/>
+              </a:endParaRPr>
+            </a:p>
+          </p:txBody>
+        </p:sp>
+        <p:cxnSp>
+          <p:nvCxnSpPr>
+            <p:cNvPr id="32" name="도형 31"/>
+            <p:cNvCxnSpPr>
+              <a:stCxn id="5" idx="1"/>
+              <a:endCxn id="2" idx="2"/>
+            </p:cNvCxnSpPr>
+            <p:nvPr/>
+          </p:nvCxnSpPr>
+          <p:spPr>
+            <a:xfrm rot="0" flipV="1">
+              <a:off x="5782945" y="2480310"/>
+              <a:ext cx="3175" cy="591185"/>
+            </a:xfrm>
+            <a:prstGeom prst="straightConnector1"/>
+            <a:ln w="19050" cap="flat" cmpd="sng">
+              <a:solidFill>
+                <a:srgbClr val="FF0000">
+                  <a:alpha val="100000"/>
+                </a:srgbClr>
+              </a:solidFill>
+              <a:prstDash val="solid"/>
+              <a:miter lim="800000"/>
+              <a:headEnd type="none" w="med" len="med"/>
+              <a:tailEnd type="triangle" w="med" len="med"/>
+            </a:ln>
+          </p:spPr>
+          <p:style>
+            <a:lnRef idx="1">
+              <a:schemeClr val="accent1"/>
+            </a:lnRef>
+            <a:fillRef idx="0">
+              <a:schemeClr val="accent1"/>
+            </a:fillRef>
+            <a:effectRef idx="0">
+              <a:schemeClr val="accent1"/>
+            </a:effectRef>
+            <a:fontRef idx="minor">
+              <a:schemeClr val="tx1"/>
+            </a:fontRef>
+          </p:style>
+        </p:cxnSp>
+        <p:cxnSp>
+          <p:nvCxnSpPr>
+            <p:cNvPr id="33" name="도형 32"/>
+            <p:cNvCxnSpPr/>
+            <p:nvPr/>
+          </p:nvCxnSpPr>
+          <p:spPr>
+            <a:xfrm rot="0" flipH="1">
+              <a:off x="5614670" y="2451100"/>
+              <a:ext cx="10795" cy="588645"/>
+            </a:xfrm>
+            <a:prstGeom prst="straightConnector1"/>
+            <a:ln w="19050" cap="flat" cmpd="sng">
+              <a:solidFill>
+                <a:schemeClr val="accent1">
+                  <a:alpha val="100000"/>
+                </a:schemeClr>
+              </a:solidFill>
+              <a:prstDash val="solid"/>
+              <a:miter lim="800000"/>
+              <a:headEnd type="none" w="med" len="med"/>
+              <a:tailEnd type="triangle" w="med" len="med"/>
+            </a:ln>
+          </p:spPr>
+          <p:style>
+            <a:lnRef idx="1">
+              <a:schemeClr val="accent1"/>
+            </a:lnRef>
+            <a:fillRef idx="0">
+              <a:schemeClr val="accent1"/>
+            </a:fillRef>
+            <a:effectRef idx="0">
+              <a:schemeClr val="accent1"/>
+            </a:effectRef>
+            <a:fontRef idx="minor">
+              <a:schemeClr val="tx1"/>
+            </a:fontRef>
+          </p:style>
+        </p:cxnSp>
+        <p:sp>
+          <p:nvSpPr>
+            <p:cNvPr id="34" name="텍스트 상자 33"/>
+            <p:cNvSpPr txBox="1">
+              <a:spLocks/>
+            </p:cNvSpPr>
+            <p:nvPr/>
+          </p:nvSpPr>
+          <p:spPr>
+            <a:xfrm rot="0">
+              <a:off x="4681855" y="2560955"/>
+              <a:ext cx="861695" cy="321945"/>
+            </a:xfrm>
+            <a:prstGeom prst="rect"/>
+            <a:noFill/>
+            <a:ln w="0">
+              <a:noFill/>
+              <a:prstDash/>
+            </a:ln>
+          </p:spPr>
+          <p:txBody>
+            <a:bodyPr wrap="none" lIns="89535" tIns="46355" rIns="89535" bIns="46355" vert="horz" anchor="t">
+              <a:noAutofit/>
+            </a:bodyPr>
+            <a:lstStyle/>
+            <a:p>
+              <a:pPr marL="0" indent="0" algn="l" fontAlgn="auto" defTabSz="508000">
+                <a:lnSpc>
+                  <a:spcPct val="100000"/>
+                </a:lnSpc>
+                <a:spcBef>
+                  <a:spcPts val="0"/>
+                </a:spcBef>
+                <a:spcAft>
+                  <a:spcPts val="0"/>
+                </a:spcAft>
+                <a:buFontTx/>
+                <a:buNone/>
+              </a:pPr>
+              <a:r>
+                <a:rPr lang="en-US" altLang="ko-KR" sz="1800" cap="none" dirty="0" smtClean="0" b="0" strike="noStrike">
+                  <a:solidFill>
+                    <a:schemeClr val="accent1"/>
+                  </a:solidFill>
+                  <a:latin typeface="맑은 고딕" charset="0"/>
+                  <a:ea typeface="맑은 고딕" charset="0"/>
+                </a:rPr>
+                <a:t>Refresh</a:t>
+              </a:r>
+              <a:endParaRPr lang="ko-KR" altLang="en-US" sz="1800" cap="none" dirty="0" smtClean="0" b="0" strike="noStrike">
+                <a:solidFill>
+                  <a:schemeClr val="accent1"/>
+                </a:solidFill>
+                <a:latin typeface="맑은 고딕" charset="0"/>
+                <a:ea typeface="맑은 고딕" charset="0"/>
+              </a:endParaRPr>
+            </a:p>
+          </p:txBody>
+        </p:sp>
+        <p:sp>
+          <p:nvSpPr>
+            <p:cNvPr id="35" name="텍스트 상자 34"/>
+            <p:cNvSpPr txBox="1">
+              <a:spLocks/>
+            </p:cNvSpPr>
+            <p:nvPr/>
+          </p:nvSpPr>
+          <p:spPr>
+            <a:xfrm rot="0">
+              <a:off x="5800090" y="2552065"/>
+              <a:ext cx="1066165" cy="321945"/>
+            </a:xfrm>
+            <a:prstGeom prst="rect"/>
+            <a:noFill/>
+            <a:ln w="0">
+              <a:noFill/>
+              <a:prstDash/>
+            </a:ln>
+          </p:spPr>
+          <p:txBody>
+            <a:bodyPr wrap="none" lIns="89535" tIns="46355" rIns="89535" bIns="46355" vert="horz" anchor="t">
+              <a:noAutofit/>
+            </a:bodyPr>
+            <a:lstStyle/>
+            <a:p>
+              <a:pPr marL="0" indent="0" algn="l" fontAlgn="auto" defTabSz="508000">
+                <a:lnSpc>
+                  <a:spcPct val="100000"/>
+                </a:lnSpc>
+                <a:spcBef>
+                  <a:spcPts val="0"/>
+                </a:spcBef>
+                <a:spcAft>
+                  <a:spcPts val="0"/>
+                </a:spcAft>
+                <a:buFontTx/>
+                <a:buNone/>
+              </a:pPr>
+              <a:r>
+                <a:rPr lang="en-US" altLang="ko-KR" sz="1800" cap="none" dirty="0" smtClean="0" b="0" strike="noStrike">
+                  <a:solidFill>
+                    <a:srgbClr val="FF0000"/>
+                  </a:solidFill>
+                  <a:latin typeface="맑은 고딕" charset="0"/>
+                  <a:ea typeface="맑은 고딕" charset="0"/>
+                </a:rPr>
+                <a:t>Response</a:t>
+              </a:r>
+              <a:endParaRPr lang="ko-KR" altLang="en-US" sz="1800" cap="none" dirty="0" smtClean="0" b="0" strike="noStrike">
+                <a:solidFill>
+                  <a:srgbClr val="FF0000"/>
+                </a:solidFill>
+                <a:latin typeface="맑은 고딕" charset="0"/>
+                <a:ea typeface="맑은 고딕" charset="0"/>
+              </a:endParaRPr>
+            </a:p>
+          </p:txBody>
+        </p:sp>
+        <p:cxnSp>
+          <p:nvCxnSpPr>
+            <p:cNvPr id="36" name="도형 35"/>
+            <p:cNvCxnSpPr/>
+            <p:nvPr/>
+          </p:nvCxnSpPr>
+          <p:spPr>
+            <a:xfrm rot="0" flipH="1">
+              <a:off x="3933825" y="3618230"/>
+              <a:ext cx="894715" cy="525145"/>
+            </a:xfrm>
+            <a:prstGeom prst="straightConnector1"/>
+            <a:ln w="19050" cap="flat" cmpd="sng">
+              <a:solidFill>
+                <a:schemeClr val="accent1">
+                  <a:alpha val="100000"/>
+                </a:schemeClr>
+              </a:solidFill>
+              <a:prstDash val="solid"/>
+              <a:miter lim="800000"/>
+              <a:headEnd type="none" w="med" len="med"/>
+              <a:tailEnd type="triangle" w="med" len="med"/>
+            </a:ln>
+          </p:spPr>
+          <p:style>
+            <a:lnRef idx="1">
+              <a:schemeClr val="accent1"/>
+            </a:lnRef>
+            <a:fillRef idx="0">
+              <a:schemeClr val="accent1"/>
+            </a:fillRef>
+            <a:effectRef idx="0">
+              <a:schemeClr val="accent1"/>
+            </a:effectRef>
+            <a:fontRef idx="minor">
+              <a:schemeClr val="tx1"/>
+            </a:fontRef>
+          </p:style>
+        </p:cxnSp>
+        <p:cxnSp>
+          <p:nvCxnSpPr>
+            <p:cNvPr id="37" name="도형 36"/>
+            <p:cNvCxnSpPr/>
+            <p:nvPr/>
+          </p:nvCxnSpPr>
+          <p:spPr>
+            <a:xfrm rot="0" flipH="1">
+              <a:off x="5643245" y="3830320"/>
+              <a:ext cx="50165" cy="616585"/>
+            </a:xfrm>
+            <a:prstGeom prst="straightConnector1"/>
+            <a:ln w="19050" cap="flat" cmpd="sng">
+              <a:solidFill>
+                <a:schemeClr val="accent1">
+                  <a:alpha val="100000"/>
+                </a:schemeClr>
+              </a:solidFill>
+              <a:prstDash val="solid"/>
+              <a:miter lim="800000"/>
+              <a:headEnd type="none" w="med" len="med"/>
+              <a:tailEnd type="triangle" w="med" len="med"/>
+            </a:ln>
+          </p:spPr>
+          <p:style>
+            <a:lnRef idx="1">
+              <a:schemeClr val="accent1"/>
+            </a:lnRef>
+            <a:fillRef idx="0">
+              <a:schemeClr val="accent1"/>
+            </a:fillRef>
+            <a:effectRef idx="0">
+              <a:schemeClr val="accent1"/>
+            </a:effectRef>
+            <a:fontRef idx="minor">
+              <a:schemeClr val="tx1"/>
+            </a:fontRef>
+          </p:style>
+        </p:cxnSp>
+        <p:cxnSp>
+          <p:nvCxnSpPr>
+            <p:cNvPr id="38" name="도형 37"/>
+            <p:cNvCxnSpPr/>
+            <p:nvPr/>
+          </p:nvCxnSpPr>
+          <p:spPr>
+            <a:xfrm rot="0">
+              <a:off x="6653530" y="3793490"/>
+              <a:ext cx="788035" cy="497205"/>
+            </a:xfrm>
+            <a:prstGeom prst="straightConnector1"/>
+            <a:ln w="19050" cap="flat" cmpd="sng">
+              <a:solidFill>
+                <a:schemeClr val="accent1">
+                  <a:alpha val="100000"/>
+                </a:schemeClr>
+              </a:solidFill>
+              <a:prstDash val="solid"/>
+              <a:miter lim="800000"/>
+              <a:headEnd type="none" w="med" len="med"/>
+              <a:tailEnd type="triangle" w="med" len="med"/>
+            </a:ln>
+          </p:spPr>
+          <p:style>
+            <a:lnRef idx="1">
+              <a:schemeClr val="accent1"/>
+            </a:lnRef>
+            <a:fillRef idx="0">
+              <a:schemeClr val="accent1"/>
+            </a:fillRef>
+            <a:effectRef idx="0">
+              <a:schemeClr val="accent1"/>
+            </a:effectRef>
+            <a:fontRef idx="minor">
+              <a:schemeClr val="tx1"/>
+            </a:fontRef>
+          </p:style>
+        </p:cxnSp>
+      </p:grpSp>
       <p:sp>
         <p:nvSpPr>
-          <p:cNvPr id="2" name="텍스트 개체 틀 1"/>
+          <p:cNvPr id="40" name="텍스트 상자 39"/>
+          <p:cNvSpPr txBox="1">
+            <a:spLocks/>
+          </p:cNvSpPr>
+          <p:nvPr/>
+        </p:nvSpPr>
+        <p:spPr>
+          <a:xfrm rot="0">
+            <a:off x="1045209" y="411480"/>
+            <a:ext cx="541655" cy="389890"/>
+          </a:xfrm>
+          <a:prstGeom prst="rect"/>
+          <a:noFill/>
+          <a:ln w="0">
+            <a:noFill/>
+            <a:prstDash/>
+          </a:ln>
+        </p:spPr>
+        <p:txBody>
+          <a:bodyPr wrap="none" lIns="89535" tIns="46355" rIns="89535" bIns="46355" vert="horz" anchor="t">
+            <a:noAutofit/>
+          </a:bodyPr>
+          <a:lstStyle/>
+          <a:p>
+            <a:pPr marL="0" indent="0" algn="l" fontAlgn="auto" defTabSz="508000">
+              <a:lnSpc>
+                <a:spcPct val="100000"/>
+              </a:lnSpc>
+              <a:spcBef>
+                <a:spcPts val="0"/>
+              </a:spcBef>
+              <a:spcAft>
+                <a:spcPts val="0"/>
+              </a:spcAft>
+              <a:buFontTx/>
+              <a:buNone/>
+            </a:pPr>
+            <a:endParaRPr lang="ko-KR" altLang="en-US" sz="1800" cap="none" dirty="0" smtClean="0" b="0" strike="noStrike">
+              <a:latin typeface="맑은 고딕" charset="0"/>
+              <a:ea typeface="맑은 고딕" charset="0"/>
+            </a:endParaRPr>
+          </a:p>
+        </p:txBody>
+      </p:sp>
+      <p:sp>
+        <p:nvSpPr>
+          <p:cNvPr id="41" name="텍스트 개체 틀 40"/>
           <p:cNvSpPr txBox="1">
             <a:spLocks/>
           </p:cNvSpPr>
           <p:nvPr>
-            <p:ph type="title"/>
+            <p:ph type="title" idx="1"/>
           </p:nvPr>
         </p:nvSpPr>
         <p:spPr>
           <a:xfrm rot="0">
-            <a:off x="609600" y="274320"/>
+            <a:off x="609600" y="59690"/>
             <a:ext cx="10974070" cy="1144270"/>
           </a:xfrm>
           <a:prstGeom prst="rect"/>
@@ -7831,58 +7999,9 @@
                 <a:latin typeface="맑은 고딕" charset="0"/>
                 <a:ea typeface="맑은 고딕" charset="0"/>
               </a:rPr>
-              <a:t>시연</a:t>
+              <a:t>생활관 중앙 관제 시스템</a:t>
             </a:r>
             <a:endParaRPr lang="ko-KR" altLang="en-US" sz="5900" cap="none" dirty="0" smtClean="0" b="0" strike="noStrike">
-              <a:solidFill>
-                <a:schemeClr val="tx1"/>
-              </a:solidFill>
-              <a:latin typeface="맑은 고딕" charset="0"/>
-              <a:ea typeface="맑은 고딕" charset="0"/>
-            </a:endParaRPr>
-          </a:p>
-        </p:txBody>
-      </p:sp>
-      <p:sp>
-        <p:nvSpPr>
-          <p:cNvPr id="3" name="내용 개체 틀 2"/>
-          <p:cNvSpPr txBox="1">
-            <a:spLocks/>
-          </p:cNvSpPr>
-          <p:nvPr>
-            <p:ph type="obj" idx="1"/>
-          </p:nvPr>
-        </p:nvSpPr>
-        <p:spPr>
-          <a:xfrm rot="0">
-            <a:off x="609600" y="1600200"/>
-            <a:ext cx="10974070" cy="4527550"/>
-          </a:xfrm>
-          <a:prstGeom prst="rect"/>
-        </p:spPr>
-        <p:txBody>
-          <a:bodyPr wrap="square" lIns="91440" tIns="45720" rIns="91440" bIns="45720" vert="horz" anchor="t">
-            <a:normAutofit fontScale="100000" lnSpcReduction="0"/>
-          </a:bodyPr>
-          <a:lstStyle/>
-          <a:p>
-            <a:pPr marL="228600" indent="-228600" algn="l" fontAlgn="auto" defTabSz="508000" eaLnBrk="0">
-              <a:lnSpc>
-                <a:spcPct val="90000"/>
-              </a:lnSpc>
-              <a:spcBef>
-                <a:spcPts val="0"/>
-              </a:spcBef>
-              <a:spcAft>
-                <a:spcPts val="0"/>
-              </a:spcAft>
-              <a:buClr>
-                <a:srgbClr val="000000"/>
-              </a:buClr>
-              <a:buFont typeface="맑은 고딕"/>
-              <a:buChar char="•"/>
-            </a:pPr>
-            <a:endParaRPr lang="ko-KR" altLang="en-US" sz="2800" cap="none" dirty="0" smtClean="0" b="0" strike="noStrike">
               <a:solidFill>
                 <a:schemeClr val="tx1"/>
               </a:solidFill>
@@ -7905,6 +8024,136 @@
       <p:transition spd="slow"/>
     </mc:Fallback>
   </mc:AlternateContent>
+  <p:timing>
+    <p:tnLst>
+      <p:par>
+        <p:cTn id="1" dur="indefinite" restart="never" nodeType="tmRoot"/>
+      </p:par>
+    </p:tnLst>
+  </p:timing>
+</p:sld>
+</file>
+
+<file path=ppt/slides/slide6.xml><?xml version="1.0" encoding="utf-8"?>
+<p:sld xmlns:a="http://schemas.openxmlformats.org/drawingml/2006/main" xmlns:r="http://schemas.openxmlformats.org/officeDocument/2006/relationships" xmlns:p="http://schemas.openxmlformats.org/presentationml/2006/main" xmlns:p14="http://schemas.microsoft.com/office/powerpoint/2010/main">
+  <p:cSld>
+    <p:spTree>
+      <p:nvGrpSpPr>
+        <p:cNvPr id="1" name=""/>
+        <p:cNvGrpSpPr/>
+        <p:nvPr/>
+      </p:nvGrpSpPr>
+      <p:grpSpPr>
+        <a:xfrm>
+          <a:off x="0" y="0"/>
+          <a:ext cx="0" cy="0"/>
+          <a:chOff x="0" y="0"/>
+          <a:chExt cx="0" cy="0"/>
+        </a:xfrm>
+      </p:grpSpPr>
+      <p:pic>
+        <p:nvPicPr>
+          <p:cNvPr id="2" name="그림 1" descr="C:/Users/Administrator/AppData/Roaming/PolarisOffice/ETemp/15968_4202728/fImage548471206962.jpeg"/>
+          <p:cNvPicPr>
+            <a:picLocks noChangeAspect="1"/>
+          </p:cNvPicPr>
+          <p:nvPr/>
+        </p:nvPicPr>
+        <p:blipFill rotWithShape="1">
+          <a:blip r:embed="rId2">
+            <a:extLst>
+              <a:ext uri="{28A0092B-C50C-407E-A947-70E740481C1C}">
+                <a14:useLocalDpi xmlns:a14="http://schemas.microsoft.com/office/drawing/2010/main" val="0"/>
+              </a:ext>
+            </a:extLst>
+          </a:blip>
+          <a:srcRect/>
+          <a:stretch>
+            <a:fillRect/>
+          </a:stretch>
+        </p:blipFill>
+        <p:spPr>
+          <a:xfrm rot="0">
+            <a:off x="4005580" y="0"/>
+            <a:ext cx="4185285" cy="6859270"/>
+          </a:xfrm>
+          <a:prstGeom prst="rect"/>
+          <a:noFill/>
+        </p:spPr>
+      </p:pic>
+      <p:sp>
+        <p:nvSpPr>
+          <p:cNvPr id="3" name="텍스트 상자 2"/>
+          <p:cNvSpPr txBox="1">
+            <a:spLocks/>
+          </p:cNvSpPr>
+          <p:nvPr/>
+        </p:nvSpPr>
+        <p:spPr>
+          <a:xfrm rot="0">
+            <a:off x="162560" y="196850"/>
+            <a:ext cx="3245485" cy="370205"/>
+          </a:xfrm>
+          <a:prstGeom prst="rect"/>
+          <a:noFill/>
+          <a:ln w="0">
+            <a:noFill/>
+            <a:prstDash/>
+          </a:ln>
+        </p:spPr>
+        <p:txBody>
+          <a:bodyPr wrap="none" lIns="89535" tIns="46355" rIns="89535" bIns="46355" vert="horz" anchor="t">
+            <a:noAutofit/>
+          </a:bodyPr>
+          <a:lstStyle/>
+          <a:p>
+            <a:pPr marL="0" indent="0" algn="l" fontAlgn="auto" defTabSz="508000">
+              <a:lnSpc>
+                <a:spcPct val="100000"/>
+              </a:lnSpc>
+              <a:spcBef>
+                <a:spcPts val="0"/>
+              </a:spcBef>
+              <a:spcAft>
+                <a:spcPts val="0"/>
+              </a:spcAft>
+              <a:buFontTx/>
+              <a:buNone/>
+            </a:pPr>
+            <a:r>
+              <a:rPr lang="en-US" altLang="ko-KR" sz="1800" cap="none" dirty="0" smtClean="0" b="0" strike="noStrike">
+                <a:latin typeface="맑은 고딕" charset="0"/>
+                <a:ea typeface="맑은 고딕" charset="0"/>
+              </a:rPr>
+              <a:t>메인 아두이노 보드 통신 방식</a:t>
+            </a:r>
+            <a:endParaRPr lang="ko-KR" altLang="en-US" sz="1800" cap="none" dirty="0" smtClean="0" b="0" strike="noStrike">
+              <a:latin typeface="맑은 고딕" charset="0"/>
+              <a:ea typeface="맑은 고딕" charset="0"/>
+            </a:endParaRPr>
+          </a:p>
+        </p:txBody>
+      </p:sp>
+    </p:spTree>
+  </p:cSld>
+  <p:clrMapOvr>
+    <a:masterClrMapping/>
+  </p:clrMapOvr>
+  <mc:AlternateContent xmlns:mc="http://schemas.openxmlformats.org/markup-compatibility/2006">
+    <mc:Choice xmlns:p14="http://schemas.microsoft.com/office/powerpoint/2010/main" Requires="p14">
+      <p:transition spd="slow" p14:dur="500"/>
+    </mc:Choice>
+    <mc:Fallback>
+      <p:transition spd="slow"/>
+    </mc:Fallback>
+  </mc:AlternateContent>
+  <p:timing>
+    <p:tnLst>
+      <p:par>
+        <p:cTn id="1" dur="indefinite" restart="never" nodeType="tmRoot"/>
+      </p:par>
+    </p:tnLst>
+  </p:timing>
 </p:sld>
 </file>
 
@@ -7969,7 +8218,7 @@
                 <a:latin typeface="맑은 고딕" charset="0"/>
                 <a:ea typeface="맑은 고딕" charset="0"/>
               </a:rPr>
-              <a:t>차별성</a:t>
+              <a:t>시연</a:t>
             </a:r>
             <a:endParaRPr lang="ko-KR" altLang="en-US" sz="5900" cap="none" dirty="0" smtClean="0" b="0" strike="noStrike">
               <a:solidFill>
@@ -8043,6 +8292,281 @@
       <p:transition spd="slow"/>
     </mc:Fallback>
   </mc:AlternateContent>
+</p:sld>
+</file>
+
+<file path=ppt/slides/slide8.xml><?xml version="1.0" encoding="utf-8"?>
+<p:sld xmlns:a="http://schemas.openxmlformats.org/drawingml/2006/main" xmlns:r="http://schemas.openxmlformats.org/officeDocument/2006/relationships" xmlns:p="http://schemas.openxmlformats.org/presentationml/2006/main" xmlns:p14="http://schemas.microsoft.com/office/powerpoint/2010/main">
+  <p:cSld>
+    <p:spTree>
+      <p:nvGrpSpPr>
+        <p:cNvPr id="1" name=""/>
+        <p:cNvGrpSpPr/>
+        <p:nvPr/>
+      </p:nvGrpSpPr>
+      <p:grpSpPr>
+        <a:xfrm>
+          <a:off x="0" y="0"/>
+          <a:ext cx="0" cy="0"/>
+          <a:chOff x="0" y="0"/>
+          <a:chExt cx="0" cy="0"/>
+        </a:xfrm>
+      </p:grpSpPr>
+      <p:sp>
+        <p:nvSpPr>
+          <p:cNvPr id="2" name="텍스트 개체 틀 1"/>
+          <p:cNvSpPr txBox="1">
+            <a:spLocks/>
+          </p:cNvSpPr>
+          <p:nvPr>
+            <p:ph type="title"/>
+          </p:nvPr>
+        </p:nvSpPr>
+        <p:spPr>
+          <a:xfrm rot="0">
+            <a:off x="609600" y="274320"/>
+            <a:ext cx="10974070" cy="1144270"/>
+          </a:xfrm>
+          <a:prstGeom prst="rect"/>
+        </p:spPr>
+        <p:txBody>
+          <a:bodyPr wrap="square" lIns="91440" tIns="45720" rIns="91440" bIns="45720" vert="horz" anchor="ctr">
+            <a:normAutofit fontScale="100000" lnSpcReduction="0"/>
+          </a:bodyPr>
+          <a:lstStyle/>
+          <a:p>
+            <a:pPr marL="0" indent="0" algn="l" fontAlgn="auto" defTabSz="508000" eaLnBrk="0">
+              <a:lnSpc>
+                <a:spcPct val="100000"/>
+              </a:lnSpc>
+              <a:spcBef>
+                <a:spcPts val="0"/>
+              </a:spcBef>
+              <a:spcAft>
+                <a:spcPts val="0"/>
+              </a:spcAft>
+              <a:buFontTx/>
+              <a:buNone/>
+            </a:pPr>
+            <a:r>
+              <a:rPr lang="en-US" altLang="ko-KR" sz="5900" cap="none" dirty="0" smtClean="0" b="0" strike="noStrike">
+                <a:solidFill>
+                  <a:schemeClr val="tx1"/>
+                </a:solidFill>
+                <a:latin typeface="맑은 고딕" charset="0"/>
+                <a:ea typeface="맑은 고딕" charset="0"/>
+              </a:rPr>
+              <a:t>차별성</a:t>
+            </a:r>
+            <a:endParaRPr lang="ko-KR" altLang="en-US" sz="5900" cap="none" dirty="0" smtClean="0" b="0" strike="noStrike">
+              <a:solidFill>
+                <a:schemeClr val="tx1"/>
+              </a:solidFill>
+              <a:latin typeface="맑은 고딕" charset="0"/>
+              <a:ea typeface="맑은 고딕" charset="0"/>
+            </a:endParaRPr>
+          </a:p>
+        </p:txBody>
+      </p:sp>
+      <p:sp>
+        <p:nvSpPr>
+          <p:cNvPr id="3" name="내용 개체 틀 2"/>
+          <p:cNvSpPr txBox="1">
+            <a:spLocks/>
+          </p:cNvSpPr>
+          <p:nvPr>
+            <p:ph type="obj" idx="1"/>
+          </p:nvPr>
+        </p:nvSpPr>
+        <p:spPr>
+          <a:xfrm>
+            <a:off x="609600" y="1600200"/>
+            <a:ext cx="10974705" cy="4528185"/>
+          </a:xfrm>
+          <a:prstGeom prst="rect"/>
+        </p:spPr>
+        <p:txBody>
+          <a:bodyPr wrap="square" lIns="91440" tIns="45720" rIns="91440" bIns="45720" numCol="1" vert="horz" anchor="t">
+            <a:normAutofit fontScale="100000" lnSpcReduction="0"/>
+          </a:bodyPr>
+          <a:lstStyle/>
+          <a:p>
+            <a:pPr marL="228600" indent="-228600" algn="l" fontAlgn="auto" defTabSz="508000" eaLnBrk="0">
+              <a:lnSpc>
+                <a:spcPct val="90000"/>
+              </a:lnSpc>
+              <a:spcBef>
+                <a:spcPts val="0"/>
+              </a:spcBef>
+              <a:spcAft>
+                <a:spcPts val="0"/>
+              </a:spcAft>
+              <a:buClr>
+                <a:srgbClr val="000000"/>
+              </a:buClr>
+              <a:buFont typeface="맑은 고딕"/>
+              <a:buChar char="•"/>
+            </a:pPr>
+            <a:r>
+              <a:rPr lang="en-US" altLang="ko-KR" sz="2800" cap="none" dirty="0" smtClean="0" b="0" strike="noStrike">
+                <a:solidFill>
+                  <a:schemeClr val="tx1"/>
+                </a:solidFill>
+                <a:latin typeface="맑은 고딕" charset="0"/>
+                <a:ea typeface="맑은 고딕" charset="0"/>
+              </a:rPr>
+              <a:t>저렴한 아두이노로 IOT 네트워크 구성</a:t>
+            </a:r>
+            <a:endParaRPr lang="ko-KR" altLang="en-US" sz="2800" cap="none" dirty="0" smtClean="0" b="0" strike="noStrike">
+              <a:solidFill>
+                <a:schemeClr val="tx1"/>
+              </a:solidFill>
+              <a:latin typeface="맑은 고딕" charset="0"/>
+              <a:ea typeface="맑은 고딕" charset="0"/>
+            </a:endParaRPr>
+          </a:p>
+          <a:p>
+            <a:pPr marL="228600" indent="-228600" algn="l" fontAlgn="auto" defTabSz="508000" eaLnBrk="0">
+              <a:lnSpc>
+                <a:spcPct val="90000"/>
+              </a:lnSpc>
+              <a:spcBef>
+                <a:spcPts val="0"/>
+              </a:spcBef>
+              <a:spcAft>
+                <a:spcPts val="0"/>
+              </a:spcAft>
+              <a:buClr>
+                <a:srgbClr val="000000"/>
+              </a:buClr>
+              <a:buFont typeface="맑은 고딕"/>
+              <a:buChar char="•"/>
+            </a:pPr>
+            <a:endParaRPr lang="ko-KR" altLang="en-US" sz="2800" cap="none" dirty="0" smtClean="0" b="0" strike="noStrike">
+              <a:solidFill>
+                <a:schemeClr val="tx1"/>
+              </a:solidFill>
+              <a:latin typeface="맑은 고딕" charset="0"/>
+              <a:ea typeface="맑은 고딕" charset="0"/>
+            </a:endParaRPr>
+          </a:p>
+          <a:p>
+            <a:pPr marL="228600" indent="-228600" algn="l" fontAlgn="auto" defTabSz="508000" eaLnBrk="0">
+              <a:lnSpc>
+                <a:spcPct val="90000"/>
+              </a:lnSpc>
+              <a:spcBef>
+                <a:spcPts val="0"/>
+              </a:spcBef>
+              <a:spcAft>
+                <a:spcPts val="0"/>
+              </a:spcAft>
+              <a:buClr>
+                <a:srgbClr val="000000"/>
+              </a:buClr>
+              <a:buFont typeface="맑은 고딕"/>
+              <a:buChar char="•"/>
+            </a:pPr>
+            <a:r>
+              <a:rPr lang="en-US" altLang="ko-KR" sz="2800" cap="none" dirty="0" smtClean="0" b="0" strike="noStrike">
+                <a:solidFill>
+                  <a:schemeClr val="tx1"/>
+                </a:solidFill>
+                <a:latin typeface="맑은 고딕" charset="0"/>
+                <a:ea typeface="맑은 고딕" charset="0"/>
+              </a:rPr>
+              <a:t>확장 가능성 높은 네트워크 구현 방법</a:t>
+            </a:r>
+            <a:endParaRPr lang="ko-KR" altLang="en-US" sz="2800" cap="none" dirty="0" smtClean="0" b="0" strike="noStrike">
+              <a:solidFill>
+                <a:schemeClr val="tx1"/>
+              </a:solidFill>
+              <a:latin typeface="맑은 고딕" charset="0"/>
+              <a:ea typeface="맑은 고딕" charset="0"/>
+            </a:endParaRPr>
+          </a:p>
+          <a:p>
+            <a:pPr marL="228600" indent="-228600" algn="l" fontAlgn="auto" defTabSz="508000" eaLnBrk="0">
+              <a:lnSpc>
+                <a:spcPct val="90000"/>
+              </a:lnSpc>
+              <a:spcBef>
+                <a:spcPts val="0"/>
+              </a:spcBef>
+              <a:spcAft>
+                <a:spcPts val="0"/>
+              </a:spcAft>
+              <a:buClr>
+                <a:srgbClr val="000000"/>
+              </a:buClr>
+              <a:buFont typeface="맑은 고딕"/>
+              <a:buChar char="•"/>
+            </a:pPr>
+            <a:endParaRPr lang="ko-KR" altLang="en-US" sz="2800" cap="none" dirty="0" smtClean="0" b="0" strike="noStrike">
+              <a:solidFill>
+                <a:schemeClr val="tx1"/>
+              </a:solidFill>
+              <a:latin typeface="맑은 고딕" charset="0"/>
+              <a:ea typeface="맑은 고딕" charset="0"/>
+            </a:endParaRPr>
+          </a:p>
+          <a:p>
+            <a:pPr marL="228600" indent="-228600" algn="l" fontAlgn="auto" defTabSz="508000" eaLnBrk="0">
+              <a:lnSpc>
+                <a:spcPct val="90000"/>
+              </a:lnSpc>
+              <a:spcBef>
+                <a:spcPts val="0"/>
+              </a:spcBef>
+              <a:spcAft>
+                <a:spcPts val="0"/>
+              </a:spcAft>
+              <a:buClr>
+                <a:srgbClr val="000000"/>
+              </a:buClr>
+              <a:buFont typeface="맑은 고딕"/>
+              <a:buChar char="•"/>
+            </a:pPr>
+            <a:r>
+              <a:rPr lang="en-US" altLang="ko-KR" sz="2800" cap="none" dirty="0" smtClean="0" b="0" strike="noStrike">
+                <a:solidFill>
+                  <a:schemeClr val="tx1"/>
+                </a:solidFill>
+                <a:latin typeface="맑은 고딕" charset="0"/>
+                <a:ea typeface="맑은 고딕" charset="0"/>
+              </a:rPr>
+              <a:t>중앙 관제 시스템 연동 GUI 응용 프로그램</a:t>
+            </a:r>
+            <a:endParaRPr lang="ko-KR" altLang="en-US" sz="2800" cap="none" dirty="0" smtClean="0" b="0" strike="noStrike">
+              <a:solidFill>
+                <a:schemeClr val="tx1"/>
+              </a:solidFill>
+              <a:latin typeface="맑은 고딕" charset="0"/>
+              <a:ea typeface="맑은 고딕" charset="0"/>
+            </a:endParaRPr>
+          </a:p>
+        </p:txBody>
+      </p:sp>
+    </p:spTree>
+  </p:cSld>
+  <p:clrMapOvr>
+    <a:masterClrMapping/>
+  </p:clrMapOvr>
+  <mc:AlternateContent xmlns:mc="http://schemas.openxmlformats.org/markup-compatibility/2006">
+    <mc:Choice xmlns:p14="http://schemas.microsoft.com/office/powerpoint/2010/main" Requires="p14">
+      <p:transition spd="slow" p14:dur="500"/>
+    </mc:Choice>
+    <mc:Fallback>
+      <p:transition spd="slow"/>
+    </mc:Fallback>
+  </mc:AlternateContent>
+  <p:timing>
+    <p:tnLst>
+      <p:par>
+        <p:cTn id="1" dur="indefinite" restart="never" nodeType="tmRoot"/>
+      </p:par>
+    </p:tnLst>
+  </p:timing>
 </p:sld>
 </file>
 
